--- a/Entwicklungsprojekt202122.pptx
+++ b/Entwicklungsprojekt202122.pptx
@@ -5,28 +5,25 @@
     <p:sldMasterId id="2147483648" r:id="rId1"/>
   </p:sldMasterIdLst>
   <p:notesMasterIdLst>
-    <p:notesMasterId r:id="rId18"/>
+    <p:notesMasterId r:id="rId15"/>
   </p:notesMasterIdLst>
   <p:handoutMasterIdLst>
-    <p:handoutMasterId r:id="rId19"/>
+    <p:handoutMasterId r:id="rId16"/>
   </p:handoutMasterIdLst>
   <p:sldIdLst>
     <p:sldId id="256" r:id="rId2"/>
     <p:sldId id="260" r:id="rId3"/>
-    <p:sldId id="262" r:id="rId4"/>
-    <p:sldId id="263" r:id="rId5"/>
-    <p:sldId id="264" r:id="rId6"/>
-    <p:sldId id="265" r:id="rId7"/>
-    <p:sldId id="266" r:id="rId8"/>
-    <p:sldId id="267" r:id="rId9"/>
-    <p:sldId id="268" r:id="rId10"/>
-    <p:sldId id="269" r:id="rId11"/>
-    <p:sldId id="270" r:id="rId12"/>
-    <p:sldId id="271" r:id="rId13"/>
-    <p:sldId id="272" r:id="rId14"/>
-    <p:sldId id="273" r:id="rId15"/>
-    <p:sldId id="274" r:id="rId16"/>
-    <p:sldId id="275" r:id="rId17"/>
+    <p:sldId id="272" r:id="rId4"/>
+    <p:sldId id="262" r:id="rId5"/>
+    <p:sldId id="277" r:id="rId6"/>
+    <p:sldId id="264" r:id="rId7"/>
+    <p:sldId id="265" r:id="rId8"/>
+    <p:sldId id="268" r:id="rId9"/>
+    <p:sldId id="266" r:id="rId10"/>
+    <p:sldId id="267" r:id="rId11"/>
+    <p:sldId id="269" r:id="rId12"/>
+    <p:sldId id="273" r:id="rId13"/>
+    <p:sldId id="275" r:id="rId14"/>
   </p:sldIdLst>
   <p:sldSz cx="9144000" cy="6858000" type="screen4x3"/>
   <p:notesSz cx="10234613" cy="7099300"/>
@@ -833,7 +830,7 @@
                 </a:lnSpc>
                 <a:defRPr/>
               </a:pPr>
-              <a:t>04.11.2021</a:t>
+              <a:t>05.11.2021</a:t>
             </a:fld>
             <a:endParaRPr lang="de-DE" sz="900" dirty="0"/>
           </a:p>
@@ -1825,7 +1822,7 @@
                 </a:lnSpc>
                 <a:defRPr/>
               </a:pPr>
-              <a:t>04.11.2021</a:t>
+              <a:t>05.11.2021</a:t>
             </a:fld>
             <a:endParaRPr lang="de-DE" sz="900" dirty="0"/>
           </a:p>
@@ -2310,7 +2307,7 @@
     </p:spTree>
     <p:extLst>
       <p:ext uri="{BB962C8B-B14F-4D97-AF65-F5344CB8AC3E}">
-        <p14:creationId xmlns:p14="http://schemas.microsoft.com/office/powerpoint/2010/main" val="1408575913"/>
+        <p14:creationId xmlns:p14="http://schemas.microsoft.com/office/powerpoint/2010/main" val="2491125657"/>
       </p:ext>
     </p:extLst>
   </p:cSld>
@@ -2371,7 +2368,7 @@
     </p:spTree>
     <p:extLst>
       <p:ext uri="{BB962C8B-B14F-4D97-AF65-F5344CB8AC3E}">
-        <p14:creationId xmlns:p14="http://schemas.microsoft.com/office/powerpoint/2010/main" val="3291769948"/>
+        <p14:creationId xmlns:p14="http://schemas.microsoft.com/office/powerpoint/2010/main" val="114851483"/>
       </p:ext>
     </p:extLst>
   </p:cSld>
@@ -2382,189 +2379,6 @@
 </file>
 
 <file path=ppt/notesSlides/notesSlide12.xml><?xml version="1.0" encoding="utf-8"?>
-<p:notes xmlns:a="http://schemas.openxmlformats.org/drawingml/2006/main" xmlns:r="http://schemas.openxmlformats.org/officeDocument/2006/relationships" xmlns:p="http://schemas.openxmlformats.org/presentationml/2006/main">
-  <p:cSld>
-    <p:spTree>
-      <p:nvGrpSpPr>
-        <p:cNvPr id="1" name=""/>
-        <p:cNvGrpSpPr/>
-        <p:nvPr/>
-      </p:nvGrpSpPr>
-      <p:grpSpPr>
-        <a:xfrm>
-          <a:off x="0" y="0"/>
-          <a:ext cx="0" cy="0"/>
-          <a:chOff x="0" y="0"/>
-          <a:chExt cx="0" cy="0"/>
-        </a:xfrm>
-      </p:grpSpPr>
-      <p:sp>
-        <p:nvSpPr>
-          <p:cNvPr id="2" name="Folienbildplatzhalter 1"/>
-          <p:cNvSpPr>
-            <a:spLocks noGrp="1" noRot="1" noChangeAspect="1"/>
-          </p:cNvSpPr>
-          <p:nvPr>
-            <p:ph type="sldImg"/>
-          </p:nvPr>
-        </p:nvSpPr>
-        <p:spPr/>
-      </p:sp>
-      <p:sp>
-        <p:nvSpPr>
-          <p:cNvPr id="3" name="Notizenplatzhalter 2"/>
-          <p:cNvSpPr>
-            <a:spLocks noGrp="1"/>
-          </p:cNvSpPr>
-          <p:nvPr>
-            <p:ph type="body" idx="1"/>
-          </p:nvPr>
-        </p:nvSpPr>
-        <p:spPr/>
-        <p:txBody>
-          <a:bodyPr/>
-          <a:lstStyle/>
-          <a:p>
-            <a:endParaRPr lang="de-DE" dirty="0"/>
-          </a:p>
-        </p:txBody>
-      </p:sp>
-    </p:spTree>
-    <p:extLst>
-      <p:ext uri="{BB962C8B-B14F-4D97-AF65-F5344CB8AC3E}">
-        <p14:creationId xmlns:p14="http://schemas.microsoft.com/office/powerpoint/2010/main" val="3571577613"/>
-      </p:ext>
-    </p:extLst>
-  </p:cSld>
-  <p:clrMapOvr>
-    <a:masterClrMapping/>
-  </p:clrMapOvr>
-</p:notes>
-</file>
-
-<file path=ppt/notesSlides/notesSlide13.xml><?xml version="1.0" encoding="utf-8"?>
-<p:notes xmlns:a="http://schemas.openxmlformats.org/drawingml/2006/main" xmlns:r="http://schemas.openxmlformats.org/officeDocument/2006/relationships" xmlns:p="http://schemas.openxmlformats.org/presentationml/2006/main">
-  <p:cSld>
-    <p:spTree>
-      <p:nvGrpSpPr>
-        <p:cNvPr id="1" name=""/>
-        <p:cNvGrpSpPr/>
-        <p:nvPr/>
-      </p:nvGrpSpPr>
-      <p:grpSpPr>
-        <a:xfrm>
-          <a:off x="0" y="0"/>
-          <a:ext cx="0" cy="0"/>
-          <a:chOff x="0" y="0"/>
-          <a:chExt cx="0" cy="0"/>
-        </a:xfrm>
-      </p:grpSpPr>
-      <p:sp>
-        <p:nvSpPr>
-          <p:cNvPr id="2" name="Folienbildplatzhalter 1"/>
-          <p:cNvSpPr>
-            <a:spLocks noGrp="1" noRot="1" noChangeAspect="1"/>
-          </p:cNvSpPr>
-          <p:nvPr>
-            <p:ph type="sldImg"/>
-          </p:nvPr>
-        </p:nvSpPr>
-        <p:spPr/>
-      </p:sp>
-      <p:sp>
-        <p:nvSpPr>
-          <p:cNvPr id="3" name="Notizenplatzhalter 2"/>
-          <p:cNvSpPr>
-            <a:spLocks noGrp="1"/>
-          </p:cNvSpPr>
-          <p:nvPr>
-            <p:ph type="body" idx="1"/>
-          </p:nvPr>
-        </p:nvSpPr>
-        <p:spPr/>
-        <p:txBody>
-          <a:bodyPr/>
-          <a:lstStyle/>
-          <a:p>
-            <a:endParaRPr lang="de-DE" dirty="0"/>
-          </a:p>
-        </p:txBody>
-      </p:sp>
-    </p:spTree>
-    <p:extLst>
-      <p:ext uri="{BB962C8B-B14F-4D97-AF65-F5344CB8AC3E}">
-        <p14:creationId xmlns:p14="http://schemas.microsoft.com/office/powerpoint/2010/main" val="114851483"/>
-      </p:ext>
-    </p:extLst>
-  </p:cSld>
-  <p:clrMapOvr>
-    <a:masterClrMapping/>
-  </p:clrMapOvr>
-</p:notes>
-</file>
-
-<file path=ppt/notesSlides/notesSlide14.xml><?xml version="1.0" encoding="utf-8"?>
-<p:notes xmlns:a="http://schemas.openxmlformats.org/drawingml/2006/main" xmlns:r="http://schemas.openxmlformats.org/officeDocument/2006/relationships" xmlns:p="http://schemas.openxmlformats.org/presentationml/2006/main">
-  <p:cSld>
-    <p:spTree>
-      <p:nvGrpSpPr>
-        <p:cNvPr id="1" name=""/>
-        <p:cNvGrpSpPr/>
-        <p:nvPr/>
-      </p:nvGrpSpPr>
-      <p:grpSpPr>
-        <a:xfrm>
-          <a:off x="0" y="0"/>
-          <a:ext cx="0" cy="0"/>
-          <a:chOff x="0" y="0"/>
-          <a:chExt cx="0" cy="0"/>
-        </a:xfrm>
-      </p:grpSpPr>
-      <p:sp>
-        <p:nvSpPr>
-          <p:cNvPr id="2" name="Folienbildplatzhalter 1"/>
-          <p:cNvSpPr>
-            <a:spLocks noGrp="1" noRot="1" noChangeAspect="1"/>
-          </p:cNvSpPr>
-          <p:nvPr>
-            <p:ph type="sldImg"/>
-          </p:nvPr>
-        </p:nvSpPr>
-        <p:spPr/>
-      </p:sp>
-      <p:sp>
-        <p:nvSpPr>
-          <p:cNvPr id="3" name="Notizenplatzhalter 2"/>
-          <p:cNvSpPr>
-            <a:spLocks noGrp="1"/>
-          </p:cNvSpPr>
-          <p:nvPr>
-            <p:ph type="body" idx="1"/>
-          </p:nvPr>
-        </p:nvSpPr>
-        <p:spPr/>
-        <p:txBody>
-          <a:bodyPr/>
-          <a:lstStyle/>
-          <a:p>
-            <a:endParaRPr lang="de-DE" dirty="0"/>
-          </a:p>
-        </p:txBody>
-      </p:sp>
-    </p:spTree>
-    <p:extLst>
-      <p:ext uri="{BB962C8B-B14F-4D97-AF65-F5344CB8AC3E}">
-        <p14:creationId xmlns:p14="http://schemas.microsoft.com/office/powerpoint/2010/main" val="1119982879"/>
-      </p:ext>
-    </p:extLst>
-  </p:cSld>
-  <p:clrMapOvr>
-    <a:masterClrMapping/>
-  </p:clrMapOvr>
-</p:notes>
-</file>
-
-<file path=ppt/notesSlides/notesSlide15.xml><?xml version="1.0" encoding="utf-8"?>
 <p:notes xmlns:a="http://schemas.openxmlformats.org/drawingml/2006/main" xmlns:r="http://schemas.openxmlformats.org/officeDocument/2006/relationships" xmlns:p="http://schemas.openxmlformats.org/presentationml/2006/main">
   <p:cSld>
     <p:spTree>
@@ -2737,7 +2551,7 @@
     </p:spTree>
     <p:extLst>
       <p:ext uri="{BB962C8B-B14F-4D97-AF65-F5344CB8AC3E}">
-        <p14:creationId xmlns:p14="http://schemas.microsoft.com/office/powerpoint/2010/main" val="3316560854"/>
+        <p14:creationId xmlns:p14="http://schemas.microsoft.com/office/powerpoint/2010/main" val="3571577613"/>
       </p:ext>
     </p:extLst>
   </p:cSld>
@@ -2791,14 +2605,32 @@
           <a:bodyPr/>
           <a:lstStyle/>
           <a:p>
+            <a:r>
+              <a:rPr lang="de-DE" dirty="0"/>
+              <a:t>SIDEEFFEKTE</a:t>
+            </a:r>
+          </a:p>
+          <a:p>
             <a:endParaRPr lang="de-DE" dirty="0"/>
+          </a:p>
+          <a:p>
+            <a:r>
+              <a:rPr lang="de-DE" dirty="0"/>
+              <a:t>Alltagsherausforderungen eigenständig meistern, um das Selbstwertgefühl betroffener Personen anzuheben</a:t>
+            </a:r>
+          </a:p>
+          <a:p>
+            <a:r>
+              <a:rPr lang="de-DE" dirty="0"/>
+              <a:t>Betreuungspersonal entlasten </a:t>
+            </a:r>
           </a:p>
         </p:txBody>
       </p:sp>
     </p:spTree>
     <p:extLst>
       <p:ext uri="{BB962C8B-B14F-4D97-AF65-F5344CB8AC3E}">
-        <p14:creationId xmlns:p14="http://schemas.microsoft.com/office/powerpoint/2010/main" val="3842129628"/>
+        <p14:creationId xmlns:p14="http://schemas.microsoft.com/office/powerpoint/2010/main" val="2381696120"/>
       </p:ext>
     </p:extLst>
   </p:cSld>
@@ -2859,7 +2691,7 @@
     </p:spTree>
     <p:extLst>
       <p:ext uri="{BB962C8B-B14F-4D97-AF65-F5344CB8AC3E}">
-        <p14:creationId xmlns:p14="http://schemas.microsoft.com/office/powerpoint/2010/main" val="4237884162"/>
+        <p14:creationId xmlns:p14="http://schemas.microsoft.com/office/powerpoint/2010/main" val="3842129628"/>
       </p:ext>
     </p:extLst>
   </p:cSld>
@@ -2920,7 +2752,7 @@
     </p:spTree>
     <p:extLst>
       <p:ext uri="{BB962C8B-B14F-4D97-AF65-F5344CB8AC3E}">
-        <p14:creationId xmlns:p14="http://schemas.microsoft.com/office/powerpoint/2010/main" val="2786142931"/>
+        <p14:creationId xmlns:p14="http://schemas.microsoft.com/office/powerpoint/2010/main" val="4237884162"/>
       </p:ext>
     </p:extLst>
   </p:cSld>
@@ -2981,7 +2813,7 @@
     </p:spTree>
     <p:extLst>
       <p:ext uri="{BB962C8B-B14F-4D97-AF65-F5344CB8AC3E}">
-        <p14:creationId xmlns:p14="http://schemas.microsoft.com/office/powerpoint/2010/main" val="817628456"/>
+        <p14:creationId xmlns:p14="http://schemas.microsoft.com/office/powerpoint/2010/main" val="3517301184"/>
       </p:ext>
     </p:extLst>
   </p:cSld>
@@ -3042,7 +2874,7 @@
     </p:spTree>
     <p:extLst>
       <p:ext uri="{BB962C8B-B14F-4D97-AF65-F5344CB8AC3E}">
-        <p14:creationId xmlns:p14="http://schemas.microsoft.com/office/powerpoint/2010/main" val="3517301184"/>
+        <p14:creationId xmlns:p14="http://schemas.microsoft.com/office/powerpoint/2010/main" val="2786142931"/>
       </p:ext>
     </p:extLst>
   </p:cSld>
@@ -3103,7 +2935,7 @@
     </p:spTree>
     <p:extLst>
       <p:ext uri="{BB962C8B-B14F-4D97-AF65-F5344CB8AC3E}">
-        <p14:creationId xmlns:p14="http://schemas.microsoft.com/office/powerpoint/2010/main" val="2491125657"/>
+        <p14:creationId xmlns:p14="http://schemas.microsoft.com/office/powerpoint/2010/main" val="817628456"/>
       </p:ext>
     </p:extLst>
   </p:cSld>
@@ -3320,7 +3152,7 @@
               <a:pPr>
                 <a:defRPr/>
               </a:pPr>
-              <a:t>04.11.2021</a:t>
+              <a:t>05.11.2021</a:t>
             </a:fld>
             <a:endParaRPr lang="de-DE" dirty="0"/>
           </a:p>
@@ -3657,7 +3489,7 @@
               <a:pPr>
                 <a:defRPr/>
               </a:pPr>
-              <a:t>04.11.2021</a:t>
+              <a:t>05.11.2021</a:t>
             </a:fld>
             <a:endParaRPr lang="de-DE" dirty="0"/>
           </a:p>
@@ -4057,7 +3889,7 @@
               <a:pPr>
                 <a:defRPr/>
               </a:pPr>
-              <a:t>04.11.2021</a:t>
+              <a:t>05.11.2021</a:t>
             </a:fld>
             <a:endParaRPr lang="de-DE" dirty="0"/>
           </a:p>
@@ -4611,7 +4443,7 @@
               <a:pPr>
                 <a:defRPr/>
               </a:pPr>
-              <a:t>04.11.2021</a:t>
+              <a:t>05.11.2021</a:t>
             </a:fld>
             <a:endParaRPr lang="de-DE" dirty="0"/>
           </a:p>
@@ -5043,7 +4875,7 @@
               <a:pPr>
                 <a:defRPr/>
               </a:pPr>
-              <a:t>04.11.2021</a:t>
+              <a:t>05.11.2021</a:t>
             </a:fld>
             <a:endParaRPr lang="de-DE" dirty="0"/>
           </a:p>
@@ -5138,7 +4970,7 @@
               <a:pPr>
                 <a:defRPr/>
               </a:pPr>
-              <a:t>04.11.2021</a:t>
+              <a:t>05.11.2021</a:t>
             </a:fld>
             <a:endParaRPr lang="de-DE" dirty="0"/>
           </a:p>
@@ -6106,7 +5938,7 @@
               <a:pPr>
                 <a:defRPr/>
               </a:pPr>
-              <a:t>04.11.2021</a:t>
+              <a:t>05.11.2021</a:t>
             </a:fld>
             <a:endParaRPr lang="de-DE" dirty="0"/>
           </a:p>
@@ -7567,7 +7399,7 @@
               <a:pPr>
                 <a:defRPr/>
               </a:pPr>
-              <a:t>04.11.2021</a:t>
+              <a:t>05.11.2021</a:t>
             </a:fld>
             <a:endParaRPr lang="de-DE" dirty="0"/>
           </a:p>
@@ -8886,9 +8718,12 @@
               <a:buChar char="•"/>
             </a:pPr>
             <a:r>
-              <a:rPr lang="de-DE" dirty="0"/>
-              <a:t>Zielhierarchie</a:t>
-            </a:r>
+              <a:rPr lang="de-DE" dirty="0">
+                <a:hlinkClick r:id="rId4"/>
+              </a:rPr>
+              <a:t>Markrecherche</a:t>
+            </a:r>
+            <a:endParaRPr lang="de-DE" dirty="0"/>
           </a:p>
           <a:p>
             <a:pPr lvl="4" indent="-342900">
@@ -8897,6 +8732,16 @@
             </a:pPr>
             <a:r>
               <a:rPr lang="de-DE" dirty="0"/>
+              <a:t>Zielhierarchie</a:t>
+            </a:r>
+          </a:p>
+          <a:p>
+            <a:pPr lvl="4" indent="-342900">
+              <a:buFont typeface="Arial" panose="020B0604020202020204" pitchFamily="34" charset="0"/>
+              <a:buChar char="•"/>
+            </a:pPr>
+            <a:r>
+              <a:rPr lang="de-DE" dirty="0"/>
               <a:t>Relevanz</a:t>
             </a:r>
           </a:p>
@@ -8917,7 +8762,7 @@
             </a:pPr>
             <a:r>
               <a:rPr lang="de-DE" dirty="0">
-                <a:hlinkClick r:id="rId4"/>
+                <a:hlinkClick r:id="rId5"/>
               </a:rPr>
               <a:t>Fishbone-Diagramm</a:t>
             </a:r>
@@ -8930,7 +8775,7 @@
             </a:pPr>
             <a:r>
               <a:rPr lang="de-DE" dirty="0">
-                <a:hlinkClick r:id="rId5"/>
+                <a:hlinkClick r:id="rId6"/>
               </a:rPr>
               <a:t>Domänenmodell</a:t>
             </a:r>
@@ -8943,7 +8788,20 @@
             </a:pPr>
             <a:r>
               <a:rPr lang="de-DE" dirty="0">
-                <a:hlinkClick r:id="rId6"/>
+                <a:hlinkClick r:id="rId7"/>
+              </a:rPr>
+              <a:t>Stakeholder</a:t>
+            </a:r>
+            <a:endParaRPr lang="de-DE" dirty="0"/>
+          </a:p>
+          <a:p>
+            <a:pPr lvl="4" indent="-342900">
+              <a:buFont typeface="Arial" panose="020B0604020202020204" pitchFamily="34" charset="0"/>
+              <a:buChar char="•"/>
+            </a:pPr>
+            <a:r>
+              <a:rPr lang="de-DE" dirty="0">
+                <a:hlinkClick r:id="rId8"/>
               </a:rPr>
               <a:t>Zielgruppe</a:t>
             </a:r>
@@ -8956,7 +8814,7 @@
             </a:pPr>
             <a:r>
               <a:rPr lang="de-DE" dirty="0">
-                <a:hlinkClick r:id="rId7"/>
+                <a:hlinkClick r:id="rId9"/>
               </a:rPr>
               <a:t>Vorgehensmodell</a:t>
             </a:r>
@@ -8969,54 +8827,9 @@
             </a:pPr>
             <a:r>
               <a:rPr lang="de-DE" dirty="0">
-                <a:hlinkClick r:id="rId8"/>
-              </a:rPr>
-              <a:t>Stakeholder</a:t>
-            </a:r>
-            <a:endParaRPr lang="de-DE" dirty="0"/>
-          </a:p>
-          <a:p>
-            <a:pPr lvl="4" indent="-342900">
-              <a:buFont typeface="Arial" panose="020B0604020202020204" pitchFamily="34" charset="0"/>
-              <a:buChar char="•"/>
-            </a:pPr>
-            <a:r>
-              <a:rPr lang="de-DE" dirty="0">
-                <a:hlinkClick r:id="rId9"/>
-              </a:rPr>
-              <a:t>Erfordernisse</a:t>
-            </a:r>
-            <a:endParaRPr lang="de-DE" dirty="0"/>
-          </a:p>
-          <a:p>
-            <a:pPr lvl="4" indent="-342900">
-              <a:buFont typeface="Arial" panose="020B0604020202020204" pitchFamily="34" charset="0"/>
-              <a:buChar char="•"/>
-            </a:pPr>
-            <a:r>
-              <a:rPr lang="de-DE" dirty="0">
-                <a:hlinkClick r:id="rId9"/>
-              </a:rPr>
-              <a:t>Anforderungen</a:t>
-            </a:r>
-            <a:endParaRPr lang="de-DE" dirty="0"/>
-          </a:p>
-          <a:p>
-            <a:pPr lvl="4" indent="-342900">
-              <a:buFont typeface="Arial" panose="020B0604020202020204" pitchFamily="34" charset="0"/>
-              <a:buChar char="•"/>
-            </a:pPr>
-            <a:r>
-              <a:rPr lang="de-DE" dirty="0">
                 <a:hlinkClick r:id="rId10"/>
               </a:rPr>
-              <a:t>Use </a:t>
-            </a:r>
-            <a:r>
-              <a:rPr lang="de-DE" dirty="0" err="1">
-                <a:hlinkClick r:id="rId10"/>
-              </a:rPr>
-              <a:t>cases</a:t>
+              <a:t>Erfordernisse &amp; Anforderungen</a:t>
             </a:r>
             <a:endParaRPr lang="de-DE" dirty="0"/>
           </a:p>
@@ -9029,7 +8842,7 @@
               <a:rPr lang="de-DE" dirty="0">
                 <a:hlinkClick r:id="rId11"/>
               </a:rPr>
-              <a:t>Markrecherche</a:t>
+              <a:t>Risikoanalyse</a:t>
             </a:r>
             <a:endParaRPr lang="de-DE" dirty="0"/>
           </a:p>
@@ -9041,32 +8854,6 @@
             <a:r>
               <a:rPr lang="de-DE" dirty="0">
                 <a:hlinkClick r:id="rId12"/>
-              </a:rPr>
-              <a:t>Risikoanalyse</a:t>
-            </a:r>
-            <a:endParaRPr lang="de-DE" dirty="0"/>
-          </a:p>
-          <a:p>
-            <a:pPr lvl="3" indent="-342900">
-              <a:buFont typeface="Arial" panose="020B0604020202020204" pitchFamily="34" charset="0"/>
-              <a:buChar char="•"/>
-            </a:pPr>
-            <a:r>
-              <a:rPr lang="de-DE" dirty="0">
-                <a:hlinkClick r:id="rId13"/>
-              </a:rPr>
-              <a:t>Potenzielle Features</a:t>
-            </a:r>
-            <a:endParaRPr lang="de-DE" dirty="0"/>
-          </a:p>
-          <a:p>
-            <a:pPr lvl="3" indent="-342900">
-              <a:buFont typeface="Arial" panose="020B0604020202020204" pitchFamily="34" charset="0"/>
-              <a:buChar char="•"/>
-            </a:pPr>
-            <a:r>
-              <a:rPr lang="de-DE" dirty="0">
-                <a:hlinkClick r:id="rId14"/>
               </a:rPr>
               <a:t>Quellen</a:t>
             </a:r>
@@ -9103,7 +8890,7 @@
               <a:pPr>
                 <a:defRPr/>
               </a:pPr>
-              <a:t>04.11.2021</a:t>
+              <a:t>05.11.2021</a:t>
             </a:fld>
             <a:endParaRPr lang="de-DE" dirty="0"/>
           </a:p>
@@ -9196,7 +8983,7 @@
           <a:p>
             <a:r>
               <a:rPr lang="de-DE" dirty="0"/>
-              <a:t>Erfordernisse</a:t>
+              <a:t>Vorgehensmodell</a:t>
             </a:r>
           </a:p>
         </p:txBody>
@@ -9294,7 +9081,7 @@
               <a:pPr>
                 <a:defRPr/>
               </a:pPr>
-              <a:t>04.11.2021</a:t>
+              <a:t>05.11.2021</a:t>
             </a:fld>
             <a:endParaRPr lang="de-DE" dirty="0"/>
           </a:p>
@@ -9368,7 +9155,7 @@
                 <a:cs typeface="Arial" panose="020B0604020202020204" pitchFamily="34" charset="0"/>
                 <a:hlinkClick r:id="rId3"/>
               </a:rPr>
-              <a:t>https://github.com/SJetz/EPWS2122JetzPettinger/wiki/Erfordernisse-und-Anforderungen</a:t>
+              <a:t>https://github.com/SJetz/EPWS2122JetzPettinger/wiki/Vorgehensmodell</a:t>
             </a:r>
             <a:endParaRPr lang="de-DE" sz="800" dirty="0">
               <a:latin typeface="Arial" panose="020B0604020202020204" pitchFamily="34" charset="0"/>
@@ -9383,10 +9170,40 @@
           </a:p>
         </p:txBody>
       </p:sp>
+      <p:pic>
+        <p:nvPicPr>
+          <p:cNvPr id="9" name="Grafik 8">
+            <a:extLst>
+              <a:ext uri="{FF2B5EF4-FFF2-40B4-BE49-F238E27FC236}">
+                <a16:creationId xmlns:a16="http://schemas.microsoft.com/office/drawing/2014/main" id="{5EB18EF7-6C31-4E4E-BD5D-86245049F4B9}"/>
+              </a:ext>
+            </a:extLst>
+          </p:cNvPr>
+          <p:cNvPicPr>
+            <a:picLocks noChangeAspect="1"/>
+          </p:cNvPicPr>
+          <p:nvPr/>
+        </p:nvPicPr>
+        <p:blipFill>
+          <a:blip r:embed="rId4"/>
+          <a:stretch>
+            <a:fillRect/>
+          </a:stretch>
+        </p:blipFill>
+        <p:spPr>
+          <a:xfrm>
+            <a:off x="218941" y="967630"/>
+            <a:ext cx="8706118" cy="4922740"/>
+          </a:xfrm>
+          <a:prstGeom prst="rect">
+            <a:avLst/>
+          </a:prstGeom>
+        </p:spPr>
+      </p:pic>
     </p:spTree>
     <p:extLst>
       <p:ext uri="{BB962C8B-B14F-4D97-AF65-F5344CB8AC3E}">
-        <p14:creationId xmlns:p14="http://schemas.microsoft.com/office/powerpoint/2010/main" val="3624286075"/>
+        <p14:creationId xmlns:p14="http://schemas.microsoft.com/office/powerpoint/2010/main" val="496307176"/>
       </p:ext>
     </p:extLst>
   </p:cSld>
@@ -9436,7 +9253,7 @@
           <a:p>
             <a:r>
               <a:rPr lang="de-DE" dirty="0"/>
-              <a:t>Anforderungen</a:t>
+              <a:t>Erfordernisse &amp; Anforderungen </a:t>
             </a:r>
           </a:p>
         </p:txBody>
@@ -9466,13 +9283,46 @@
               <a:buFont typeface="Arial" panose="020B0604020202020204" pitchFamily="34" charset="0"/>
               <a:buChar char="•"/>
             </a:pPr>
+            <a:r>
+              <a:rPr lang="de-DE" dirty="0"/>
+              <a:t>Priorität der Erfordernisse &amp; Anforderungen liegt primär bei den zu betreuenden Personen und sekundär bei den Betreuern</a:t>
+            </a:r>
+          </a:p>
+          <a:p>
+            <a:pPr>
+              <a:buFont typeface="Arial" panose="020B0604020202020204" pitchFamily="34" charset="0"/>
+              <a:buChar char="•"/>
+            </a:pPr>
+            <a:r>
+              <a:rPr lang="de-DE" dirty="0"/>
+              <a:t>Weiter Stakeholder wurden betrachtet, ihrer Priorität wurde jedoch als gering Eingestuft</a:t>
+            </a:r>
+          </a:p>
+          <a:p>
+            <a:pPr>
+              <a:buFont typeface="Arial" panose="020B0604020202020204" pitchFamily="34" charset="0"/>
+              <a:buChar char="•"/>
+            </a:pPr>
+            <a:r>
+              <a:rPr lang="de-DE" dirty="0"/>
+              <a:t>Aus den Anforderungen ergeben sich dann die </a:t>
+            </a:r>
+            <a:r>
+              <a:rPr lang="de-DE" dirty="0">
+                <a:hlinkClick r:id="rId3"/>
+              </a:rPr>
+              <a:t>Use </a:t>
+            </a:r>
+            <a:r>
+              <a:rPr lang="de-DE" dirty="0" err="1">
+                <a:hlinkClick r:id="rId3"/>
+              </a:rPr>
+              <a:t>cases</a:t>
+            </a:r>
             <a:endParaRPr lang="de-DE" dirty="0"/>
           </a:p>
           <a:p>
-            <a:pPr lvl="5">
-              <a:buFontTx/>
-              <a:buChar char="-"/>
-            </a:pPr>
+            <a:pPr marL="0" indent="0"/>
             <a:endParaRPr lang="de-DE" dirty="0"/>
           </a:p>
         </p:txBody>
@@ -9534,7 +9384,7 @@
               <a:pPr>
                 <a:defRPr/>
               </a:pPr>
-              <a:t>04.11.2021</a:t>
+              <a:t>05.11.2021</a:t>
             </a:fld>
             <a:endParaRPr lang="de-DE" dirty="0"/>
           </a:p>
@@ -9606,7 +9456,7 @@
               <a:rPr lang="de-DE" sz="800" dirty="0">
                 <a:latin typeface="Arial" panose="020B0604020202020204" pitchFamily="34" charset="0"/>
                 <a:cs typeface="Arial" panose="020B0604020202020204" pitchFamily="34" charset="0"/>
-                <a:hlinkClick r:id="rId3"/>
+                <a:hlinkClick r:id="rId4"/>
               </a:rPr>
               <a:t>https://github.com/SJetz/EPWS2122JetzPettinger/wiki/Erfordernisse-und-Anforderungen</a:t>
             </a:r>
@@ -9626,7 +9476,7 @@
     </p:spTree>
     <p:extLst>
       <p:ext uri="{BB962C8B-B14F-4D97-AF65-F5344CB8AC3E}">
-        <p14:creationId xmlns:p14="http://schemas.microsoft.com/office/powerpoint/2010/main" val="1935329210"/>
+        <p14:creationId xmlns:p14="http://schemas.microsoft.com/office/powerpoint/2010/main" val="3624286075"/>
       </p:ext>
     </p:extLst>
   </p:cSld>
@@ -9676,7 +9526,7 @@
           <a:p>
             <a:r>
               <a:rPr lang="de-DE" dirty="0"/>
-              <a:t>Use Cases</a:t>
+              <a:t>Risikoanalyse</a:t>
             </a:r>
           </a:p>
         </p:txBody>
@@ -9702,6 +9552,77 @@
           <a:bodyPr/>
           <a:lstStyle/>
           <a:p>
+            <a:r>
+              <a:rPr lang="de-DE" b="1" dirty="0"/>
+              <a:t>Technische Risiken</a:t>
+            </a:r>
+          </a:p>
+          <a:p>
+            <a:pPr>
+              <a:buFont typeface="Arial" panose="020B0604020202020204" pitchFamily="34" charset="0"/>
+              <a:buChar char="•"/>
+            </a:pPr>
+            <a:r>
+              <a:rPr lang="de-DE" dirty="0"/>
+              <a:t>Die Symbole werden nicht erkannt </a:t>
+            </a:r>
+            <a:br>
+              <a:rPr lang="de-DE" dirty="0"/>
+            </a:br>
+            <a:r>
+              <a:rPr lang="de-DE" dirty="0"/>
+              <a:t>Lösungsansatz: </a:t>
+            </a:r>
+            <a:br>
+              <a:rPr lang="de-DE" dirty="0"/>
+            </a:br>
+            <a:r>
+              <a:rPr lang="de-DE" dirty="0"/>
+              <a:t>Piktogramm durch Realbilder ersetzen</a:t>
+            </a:r>
+          </a:p>
+          <a:p>
+            <a:pPr>
+              <a:buFont typeface="Arial" panose="020B0604020202020204" pitchFamily="34" charset="0"/>
+              <a:buChar char="•"/>
+            </a:pPr>
+            <a:r>
+              <a:rPr lang="de-DE" dirty="0"/>
+              <a:t>Gruppierungen werden nicht erkannt (z.B. Obst) </a:t>
+            </a:r>
+            <a:br>
+              <a:rPr lang="de-DE" dirty="0"/>
+            </a:br>
+            <a:r>
+              <a:rPr lang="de-DE" dirty="0"/>
+              <a:t>Lösungsansatz: </a:t>
+            </a:r>
+            <a:br>
+              <a:rPr lang="de-DE" dirty="0"/>
+            </a:br>
+            <a:r>
+              <a:rPr lang="de-DE" dirty="0"/>
+              <a:t>Alle Produkte einzeln auflisten --&gt; Problem der Überforderung</a:t>
+            </a:r>
+          </a:p>
+          <a:p>
+            <a:pPr>
+              <a:buFont typeface="Arial" panose="020B0604020202020204" pitchFamily="34" charset="0"/>
+              <a:buChar char="•"/>
+            </a:pPr>
+            <a:r>
+              <a:rPr lang="de-DE" dirty="0"/>
+              <a:t>neue Konzepte </a:t>
+            </a:r>
+            <a:br>
+              <a:rPr lang="de-DE" dirty="0"/>
+            </a:br>
+            <a:r>
+              <a:rPr lang="de-DE" dirty="0"/>
+              <a:t>Aktuelle Konventionen sollen beibehalten werden, da das Erlernen neuer Bedienmuster schwieriger ist als bereits Erlernte anzuwenden.</a:t>
+            </a:r>
+          </a:p>
+          <a:p>
             <a:pPr>
               <a:buFont typeface="Arial" panose="020B0604020202020204" pitchFamily="34" charset="0"/>
               <a:buChar char="•"/>
@@ -9740,7 +9661,7 @@
           <a:p>
             <a:r>
               <a:rPr lang="de-DE" dirty="0"/>
-              <a:t>Vorgehensmodell</a:t>
+              <a:t>Risikoanalyse</a:t>
             </a:r>
           </a:p>
         </p:txBody>
@@ -9774,7 +9695,7 @@
               <a:pPr>
                 <a:defRPr/>
               </a:pPr>
-              <a:t>04.11.2021</a:t>
+              <a:t>05.11.2021</a:t>
             </a:fld>
             <a:endParaRPr lang="de-DE" dirty="0"/>
           </a:p>
@@ -9848,7 +9769,7 @@
                 <a:cs typeface="Arial" panose="020B0604020202020204" pitchFamily="34" charset="0"/>
                 <a:hlinkClick r:id="rId3"/>
               </a:rPr>
-              <a:t>https://github.com/SJetz/EPWS2122JetzPettinger/wiki/Use-Cases</a:t>
+              <a:t>https://github.com/SJetz/EPWS2122JetzPettinger/wiki/Risiken</a:t>
             </a:r>
             <a:endParaRPr lang="de-DE" sz="800" dirty="0">
               <a:latin typeface="Arial" panose="020B0604020202020204" pitchFamily="34" charset="0"/>
@@ -9866,7 +9787,7 @@
     </p:spTree>
     <p:extLst>
       <p:ext uri="{BB962C8B-B14F-4D97-AF65-F5344CB8AC3E}">
-        <p14:creationId xmlns:p14="http://schemas.microsoft.com/office/powerpoint/2010/main" val="1919995950"/>
+        <p14:creationId xmlns:p14="http://schemas.microsoft.com/office/powerpoint/2010/main" val="1325128657"/>
       </p:ext>
     </p:extLst>
   </p:cSld>
@@ -9916,7 +9837,7 @@
           <a:p>
             <a:r>
               <a:rPr lang="de-DE" dirty="0"/>
-              <a:t>Marktrecherche</a:t>
+              <a:t>Quellen</a:t>
             </a:r>
           </a:p>
         </p:txBody>
@@ -9980,7 +9901,7 @@
           <a:p>
             <a:r>
               <a:rPr lang="de-DE" dirty="0"/>
-              <a:t>Marktrecherche</a:t>
+              <a:t>Quellen</a:t>
             </a:r>
           </a:p>
         </p:txBody>
@@ -10014,7 +9935,7 @@
               <a:pPr>
                 <a:defRPr/>
               </a:pPr>
-              <a:t>04.11.2021</a:t>
+              <a:t>05.11.2021</a:t>
             </a:fld>
             <a:endParaRPr lang="de-DE" dirty="0"/>
           </a:p>
@@ -10049,726 +9970,6 @@
               <a:rPr lang="de-DE" smtClean="0"/>
               <a:pPr/>
               <a:t>13</a:t>
-            </a:fld>
-            <a:endParaRPr lang="de-DE"/>
-          </a:p>
-        </p:txBody>
-      </p:sp>
-      <p:sp>
-        <p:nvSpPr>
-          <p:cNvPr id="7" name="Textfeld 6">
-            <a:extLst>
-              <a:ext uri="{FF2B5EF4-FFF2-40B4-BE49-F238E27FC236}">
-                <a16:creationId xmlns:a16="http://schemas.microsoft.com/office/drawing/2014/main" id="{62D9E4A4-DF4D-4EBD-869F-547694098A62}"/>
-              </a:ext>
-            </a:extLst>
-          </p:cNvPr>
-          <p:cNvSpPr txBox="1"/>
-          <p:nvPr/>
-        </p:nvSpPr>
-        <p:spPr>
-          <a:xfrm>
-            <a:off x="1880315" y="6361113"/>
-            <a:ext cx="5628067" cy="338554"/>
-          </a:xfrm>
-          <a:prstGeom prst="rect">
-            <a:avLst/>
-          </a:prstGeom>
-          <a:noFill/>
-        </p:spPr>
-        <p:txBody>
-          <a:bodyPr wrap="square" rtlCol="0">
-            <a:spAutoFit/>
-          </a:bodyPr>
-          <a:lstStyle/>
-          <a:p>
-            <a:r>
-              <a:rPr lang="de-DE" sz="800" dirty="0">
-                <a:latin typeface="Arial" panose="020B0604020202020204" pitchFamily="34" charset="0"/>
-                <a:cs typeface="Arial" panose="020B0604020202020204" pitchFamily="34" charset="0"/>
-                <a:hlinkClick r:id="rId3"/>
-              </a:rPr>
-              <a:t>https://github.com/SJetz/EPWS2122JetzPettinger/wiki/Marktrecherche</a:t>
-            </a:r>
-            <a:endParaRPr lang="de-DE" sz="800" dirty="0">
-              <a:latin typeface="Arial" panose="020B0604020202020204" pitchFamily="34" charset="0"/>
-              <a:cs typeface="Arial" panose="020B0604020202020204" pitchFamily="34" charset="0"/>
-            </a:endParaRPr>
-          </a:p>
-          <a:p>
-            <a:endParaRPr lang="de-DE" sz="800" dirty="0">
-              <a:latin typeface="Arial" panose="020B0604020202020204" pitchFamily="34" charset="0"/>
-              <a:cs typeface="Arial" panose="020B0604020202020204" pitchFamily="34" charset="0"/>
-            </a:endParaRPr>
-          </a:p>
-        </p:txBody>
-      </p:sp>
-    </p:spTree>
-    <p:extLst>
-      <p:ext uri="{BB962C8B-B14F-4D97-AF65-F5344CB8AC3E}">
-        <p14:creationId xmlns:p14="http://schemas.microsoft.com/office/powerpoint/2010/main" val="3536970057"/>
-      </p:ext>
-    </p:extLst>
-  </p:cSld>
-  <p:clrMapOvr>
-    <a:masterClrMapping/>
-  </p:clrMapOvr>
-</p:sld>
-</file>
-
-<file path=ppt/slides/slide14.xml><?xml version="1.0" encoding="utf-8"?>
-<p:sld xmlns:a="http://schemas.openxmlformats.org/drawingml/2006/main" xmlns:r="http://schemas.openxmlformats.org/officeDocument/2006/relationships" xmlns:p="http://schemas.openxmlformats.org/presentationml/2006/main">
-  <p:cSld>
-    <p:spTree>
-      <p:nvGrpSpPr>
-        <p:cNvPr id="1" name=""/>
-        <p:cNvGrpSpPr/>
-        <p:nvPr/>
-      </p:nvGrpSpPr>
-      <p:grpSpPr>
-        <a:xfrm>
-          <a:off x="0" y="0"/>
-          <a:ext cx="0" cy="0"/>
-          <a:chOff x="0" y="0"/>
-          <a:chExt cx="0" cy="0"/>
-        </a:xfrm>
-      </p:grpSpPr>
-      <p:sp>
-        <p:nvSpPr>
-          <p:cNvPr id="2" name="Titel 1">
-            <a:extLst>
-              <a:ext uri="{FF2B5EF4-FFF2-40B4-BE49-F238E27FC236}">
-                <a16:creationId xmlns:a16="http://schemas.microsoft.com/office/drawing/2014/main" id="{FB9FEF76-EE6D-4706-8B1F-1DB90576041A}"/>
-              </a:ext>
-            </a:extLst>
-          </p:cNvPr>
-          <p:cNvSpPr>
-            <a:spLocks noGrp="1"/>
-          </p:cNvSpPr>
-          <p:nvPr>
-            <p:ph type="title"/>
-          </p:nvPr>
-        </p:nvSpPr>
-        <p:spPr/>
-        <p:txBody>
-          <a:bodyPr/>
-          <a:lstStyle/>
-          <a:p>
-            <a:r>
-              <a:rPr lang="de-DE" dirty="0"/>
-              <a:t>Risikoanalyse</a:t>
-            </a:r>
-          </a:p>
-        </p:txBody>
-      </p:sp>
-      <p:sp>
-        <p:nvSpPr>
-          <p:cNvPr id="3" name="Inhaltsplatzhalter 2">
-            <a:extLst>
-              <a:ext uri="{FF2B5EF4-FFF2-40B4-BE49-F238E27FC236}">
-                <a16:creationId xmlns:a16="http://schemas.microsoft.com/office/drawing/2014/main" id="{90CF0E86-1E1A-4AAB-A2BC-C13DCE791112}"/>
-              </a:ext>
-            </a:extLst>
-          </p:cNvPr>
-          <p:cNvSpPr>
-            <a:spLocks noGrp="1"/>
-          </p:cNvSpPr>
-          <p:nvPr>
-            <p:ph sz="quarter" idx="12"/>
-          </p:nvPr>
-        </p:nvSpPr>
-        <p:spPr/>
-        <p:txBody>
-          <a:bodyPr/>
-          <a:lstStyle/>
-          <a:p>
-            <a:pPr>
-              <a:buFont typeface="Arial" panose="020B0604020202020204" pitchFamily="34" charset="0"/>
-              <a:buChar char="•"/>
-            </a:pPr>
-            <a:endParaRPr lang="de-DE" dirty="0"/>
-          </a:p>
-          <a:p>
-            <a:pPr lvl="5">
-              <a:buFontTx/>
-              <a:buChar char="-"/>
-            </a:pPr>
-            <a:endParaRPr lang="de-DE" dirty="0"/>
-          </a:p>
-        </p:txBody>
-      </p:sp>
-      <p:sp>
-        <p:nvSpPr>
-          <p:cNvPr id="4" name="Textplatzhalter 3">
-            <a:extLst>
-              <a:ext uri="{FF2B5EF4-FFF2-40B4-BE49-F238E27FC236}">
-                <a16:creationId xmlns:a16="http://schemas.microsoft.com/office/drawing/2014/main" id="{547A9675-CD91-4EBA-81F7-CA4C13AFBB62}"/>
-              </a:ext>
-            </a:extLst>
-          </p:cNvPr>
-          <p:cNvSpPr>
-            <a:spLocks noGrp="1"/>
-          </p:cNvSpPr>
-          <p:nvPr>
-            <p:ph type="body" idx="13"/>
-          </p:nvPr>
-        </p:nvSpPr>
-        <p:spPr/>
-        <p:txBody>
-          <a:bodyPr/>
-          <a:lstStyle/>
-          <a:p>
-            <a:r>
-              <a:rPr lang="de-DE" dirty="0"/>
-              <a:t>Risikoanalyse</a:t>
-            </a:r>
-          </a:p>
-        </p:txBody>
-      </p:sp>
-      <p:sp>
-        <p:nvSpPr>
-          <p:cNvPr id="5" name="Datumsplatzhalter 4">
-            <a:extLst>
-              <a:ext uri="{FF2B5EF4-FFF2-40B4-BE49-F238E27FC236}">
-                <a16:creationId xmlns:a16="http://schemas.microsoft.com/office/drawing/2014/main" id="{93DE607D-99B8-4F66-9BE6-7BCA29CE5CCD}"/>
-              </a:ext>
-            </a:extLst>
-          </p:cNvPr>
-          <p:cNvSpPr>
-            <a:spLocks noGrp="1"/>
-          </p:cNvSpPr>
-          <p:nvPr>
-            <p:ph type="dt" sz="half" idx="14"/>
-          </p:nvPr>
-        </p:nvSpPr>
-        <p:spPr/>
-        <p:txBody>
-          <a:bodyPr/>
-          <a:lstStyle/>
-          <a:p>
-            <a:pPr>
-              <a:defRPr/>
-            </a:pPr>
-            <a:fld id="{B64CBA54-30FD-4718-9862-FA8DE106E2AC}" type="datetime1">
-              <a:rPr lang="de-DE" smtClean="0"/>
-              <a:pPr>
-                <a:defRPr/>
-              </a:pPr>
-              <a:t>04.11.2021</a:t>
-            </a:fld>
-            <a:endParaRPr lang="de-DE" dirty="0"/>
-          </a:p>
-        </p:txBody>
-      </p:sp>
-      <p:sp>
-        <p:nvSpPr>
-          <p:cNvPr id="6" name="Foliennummernplatzhalter 5">
-            <a:extLst>
-              <a:ext uri="{FF2B5EF4-FFF2-40B4-BE49-F238E27FC236}">
-                <a16:creationId xmlns:a16="http://schemas.microsoft.com/office/drawing/2014/main" id="{23BF8046-2539-4FAA-9DE3-99F749A60FDB}"/>
-              </a:ext>
-            </a:extLst>
-          </p:cNvPr>
-          <p:cNvSpPr>
-            <a:spLocks noGrp="1"/>
-          </p:cNvSpPr>
-          <p:nvPr>
-            <p:ph type="sldNum" sz="quarter" idx="15"/>
-          </p:nvPr>
-        </p:nvSpPr>
-        <p:spPr/>
-        <p:txBody>
-          <a:bodyPr/>
-          <a:lstStyle/>
-          <a:p>
-            <a:r>
-              <a:rPr lang="de-DE"/>
-              <a:t>Seite </a:t>
-            </a:r>
-            <a:fld id="{8BA1C4DF-B313-402B-B18E-730A74683949}" type="slidenum">
-              <a:rPr lang="de-DE" smtClean="0"/>
-              <a:pPr/>
-              <a:t>14</a:t>
-            </a:fld>
-            <a:endParaRPr lang="de-DE"/>
-          </a:p>
-        </p:txBody>
-      </p:sp>
-      <p:sp>
-        <p:nvSpPr>
-          <p:cNvPr id="7" name="Textfeld 6">
-            <a:extLst>
-              <a:ext uri="{FF2B5EF4-FFF2-40B4-BE49-F238E27FC236}">
-                <a16:creationId xmlns:a16="http://schemas.microsoft.com/office/drawing/2014/main" id="{62D9E4A4-DF4D-4EBD-869F-547694098A62}"/>
-              </a:ext>
-            </a:extLst>
-          </p:cNvPr>
-          <p:cNvSpPr txBox="1"/>
-          <p:nvPr/>
-        </p:nvSpPr>
-        <p:spPr>
-          <a:xfrm>
-            <a:off x="1880315" y="6361113"/>
-            <a:ext cx="5628067" cy="338554"/>
-          </a:xfrm>
-          <a:prstGeom prst="rect">
-            <a:avLst/>
-          </a:prstGeom>
-          <a:noFill/>
-        </p:spPr>
-        <p:txBody>
-          <a:bodyPr wrap="square" rtlCol="0">
-            <a:spAutoFit/>
-          </a:bodyPr>
-          <a:lstStyle/>
-          <a:p>
-            <a:r>
-              <a:rPr lang="de-DE" sz="800" dirty="0">
-                <a:latin typeface="Arial" panose="020B0604020202020204" pitchFamily="34" charset="0"/>
-                <a:cs typeface="Arial" panose="020B0604020202020204" pitchFamily="34" charset="0"/>
-                <a:hlinkClick r:id="rId3"/>
-              </a:rPr>
-              <a:t>https://github.com/SJetz/EPWS2122JetzPettinger/wiki/Risiken</a:t>
-            </a:r>
-            <a:endParaRPr lang="de-DE" sz="800" dirty="0">
-              <a:latin typeface="Arial" panose="020B0604020202020204" pitchFamily="34" charset="0"/>
-              <a:cs typeface="Arial" panose="020B0604020202020204" pitchFamily="34" charset="0"/>
-            </a:endParaRPr>
-          </a:p>
-          <a:p>
-            <a:endParaRPr lang="de-DE" sz="800" dirty="0">
-              <a:latin typeface="Arial" panose="020B0604020202020204" pitchFamily="34" charset="0"/>
-              <a:cs typeface="Arial" panose="020B0604020202020204" pitchFamily="34" charset="0"/>
-            </a:endParaRPr>
-          </a:p>
-        </p:txBody>
-      </p:sp>
-    </p:spTree>
-    <p:extLst>
-      <p:ext uri="{BB962C8B-B14F-4D97-AF65-F5344CB8AC3E}">
-        <p14:creationId xmlns:p14="http://schemas.microsoft.com/office/powerpoint/2010/main" val="1325128657"/>
-      </p:ext>
-    </p:extLst>
-  </p:cSld>
-  <p:clrMapOvr>
-    <a:masterClrMapping/>
-  </p:clrMapOvr>
-</p:sld>
-</file>
-
-<file path=ppt/slides/slide15.xml><?xml version="1.0" encoding="utf-8"?>
-<p:sld xmlns:a="http://schemas.openxmlformats.org/drawingml/2006/main" xmlns:r="http://schemas.openxmlformats.org/officeDocument/2006/relationships" xmlns:p="http://schemas.openxmlformats.org/presentationml/2006/main">
-  <p:cSld>
-    <p:spTree>
-      <p:nvGrpSpPr>
-        <p:cNvPr id="1" name=""/>
-        <p:cNvGrpSpPr/>
-        <p:nvPr/>
-      </p:nvGrpSpPr>
-      <p:grpSpPr>
-        <a:xfrm>
-          <a:off x="0" y="0"/>
-          <a:ext cx="0" cy="0"/>
-          <a:chOff x="0" y="0"/>
-          <a:chExt cx="0" cy="0"/>
-        </a:xfrm>
-      </p:grpSpPr>
-      <p:sp>
-        <p:nvSpPr>
-          <p:cNvPr id="2" name="Titel 1">
-            <a:extLst>
-              <a:ext uri="{FF2B5EF4-FFF2-40B4-BE49-F238E27FC236}">
-                <a16:creationId xmlns:a16="http://schemas.microsoft.com/office/drawing/2014/main" id="{FB9FEF76-EE6D-4706-8B1F-1DB90576041A}"/>
-              </a:ext>
-            </a:extLst>
-          </p:cNvPr>
-          <p:cNvSpPr>
-            <a:spLocks noGrp="1"/>
-          </p:cNvSpPr>
-          <p:nvPr>
-            <p:ph type="title"/>
-          </p:nvPr>
-        </p:nvSpPr>
-        <p:spPr/>
-        <p:txBody>
-          <a:bodyPr/>
-          <a:lstStyle/>
-          <a:p>
-            <a:r>
-              <a:rPr lang="de-DE" dirty="0"/>
-              <a:t>Potentielle Features</a:t>
-            </a:r>
-          </a:p>
-        </p:txBody>
-      </p:sp>
-      <p:sp>
-        <p:nvSpPr>
-          <p:cNvPr id="3" name="Inhaltsplatzhalter 2">
-            <a:extLst>
-              <a:ext uri="{FF2B5EF4-FFF2-40B4-BE49-F238E27FC236}">
-                <a16:creationId xmlns:a16="http://schemas.microsoft.com/office/drawing/2014/main" id="{90CF0E86-1E1A-4AAB-A2BC-C13DCE791112}"/>
-              </a:ext>
-            </a:extLst>
-          </p:cNvPr>
-          <p:cNvSpPr>
-            <a:spLocks noGrp="1"/>
-          </p:cNvSpPr>
-          <p:nvPr>
-            <p:ph sz="quarter" idx="12"/>
-          </p:nvPr>
-        </p:nvSpPr>
-        <p:spPr/>
-        <p:txBody>
-          <a:bodyPr/>
-          <a:lstStyle/>
-          <a:p>
-            <a:pPr>
-              <a:buFont typeface="Arial" panose="020B0604020202020204" pitchFamily="34" charset="0"/>
-              <a:buChar char="•"/>
-            </a:pPr>
-            <a:endParaRPr lang="de-DE" dirty="0"/>
-          </a:p>
-          <a:p>
-            <a:pPr lvl="5">
-              <a:buFontTx/>
-              <a:buChar char="-"/>
-            </a:pPr>
-            <a:endParaRPr lang="de-DE" dirty="0"/>
-          </a:p>
-        </p:txBody>
-      </p:sp>
-      <p:sp>
-        <p:nvSpPr>
-          <p:cNvPr id="4" name="Textplatzhalter 3">
-            <a:extLst>
-              <a:ext uri="{FF2B5EF4-FFF2-40B4-BE49-F238E27FC236}">
-                <a16:creationId xmlns:a16="http://schemas.microsoft.com/office/drawing/2014/main" id="{547A9675-CD91-4EBA-81F7-CA4C13AFBB62}"/>
-              </a:ext>
-            </a:extLst>
-          </p:cNvPr>
-          <p:cNvSpPr>
-            <a:spLocks noGrp="1"/>
-          </p:cNvSpPr>
-          <p:nvPr>
-            <p:ph type="body" idx="13"/>
-          </p:nvPr>
-        </p:nvSpPr>
-        <p:spPr/>
-        <p:txBody>
-          <a:bodyPr/>
-          <a:lstStyle/>
-          <a:p>
-            <a:r>
-              <a:rPr lang="de-DE" dirty="0"/>
-              <a:t>Vorgehensmodell</a:t>
-            </a:r>
-          </a:p>
-        </p:txBody>
-      </p:sp>
-      <p:sp>
-        <p:nvSpPr>
-          <p:cNvPr id="5" name="Datumsplatzhalter 4">
-            <a:extLst>
-              <a:ext uri="{FF2B5EF4-FFF2-40B4-BE49-F238E27FC236}">
-                <a16:creationId xmlns:a16="http://schemas.microsoft.com/office/drawing/2014/main" id="{93DE607D-99B8-4F66-9BE6-7BCA29CE5CCD}"/>
-              </a:ext>
-            </a:extLst>
-          </p:cNvPr>
-          <p:cNvSpPr>
-            <a:spLocks noGrp="1"/>
-          </p:cNvSpPr>
-          <p:nvPr>
-            <p:ph type="dt" sz="half" idx="14"/>
-          </p:nvPr>
-        </p:nvSpPr>
-        <p:spPr/>
-        <p:txBody>
-          <a:bodyPr/>
-          <a:lstStyle/>
-          <a:p>
-            <a:pPr>
-              <a:defRPr/>
-            </a:pPr>
-            <a:fld id="{B64CBA54-30FD-4718-9862-FA8DE106E2AC}" type="datetime1">
-              <a:rPr lang="de-DE" smtClean="0"/>
-              <a:pPr>
-                <a:defRPr/>
-              </a:pPr>
-              <a:t>04.11.2021</a:t>
-            </a:fld>
-            <a:endParaRPr lang="de-DE" dirty="0"/>
-          </a:p>
-        </p:txBody>
-      </p:sp>
-      <p:sp>
-        <p:nvSpPr>
-          <p:cNvPr id="6" name="Foliennummernplatzhalter 5">
-            <a:extLst>
-              <a:ext uri="{FF2B5EF4-FFF2-40B4-BE49-F238E27FC236}">
-                <a16:creationId xmlns:a16="http://schemas.microsoft.com/office/drawing/2014/main" id="{23BF8046-2539-4FAA-9DE3-99F749A60FDB}"/>
-              </a:ext>
-            </a:extLst>
-          </p:cNvPr>
-          <p:cNvSpPr>
-            <a:spLocks noGrp="1"/>
-          </p:cNvSpPr>
-          <p:nvPr>
-            <p:ph type="sldNum" sz="quarter" idx="15"/>
-          </p:nvPr>
-        </p:nvSpPr>
-        <p:spPr/>
-        <p:txBody>
-          <a:bodyPr/>
-          <a:lstStyle/>
-          <a:p>
-            <a:r>
-              <a:rPr lang="de-DE"/>
-              <a:t>Seite </a:t>
-            </a:r>
-            <a:fld id="{8BA1C4DF-B313-402B-B18E-730A74683949}" type="slidenum">
-              <a:rPr lang="de-DE" smtClean="0"/>
-              <a:pPr/>
-              <a:t>15</a:t>
-            </a:fld>
-            <a:endParaRPr lang="de-DE"/>
-          </a:p>
-        </p:txBody>
-      </p:sp>
-      <p:sp>
-        <p:nvSpPr>
-          <p:cNvPr id="7" name="Textfeld 6">
-            <a:extLst>
-              <a:ext uri="{FF2B5EF4-FFF2-40B4-BE49-F238E27FC236}">
-                <a16:creationId xmlns:a16="http://schemas.microsoft.com/office/drawing/2014/main" id="{62D9E4A4-DF4D-4EBD-869F-547694098A62}"/>
-              </a:ext>
-            </a:extLst>
-          </p:cNvPr>
-          <p:cNvSpPr txBox="1"/>
-          <p:nvPr/>
-        </p:nvSpPr>
-        <p:spPr>
-          <a:xfrm>
-            <a:off x="1880315" y="6361113"/>
-            <a:ext cx="5628067" cy="338554"/>
-          </a:xfrm>
-          <a:prstGeom prst="rect">
-            <a:avLst/>
-          </a:prstGeom>
-          <a:noFill/>
-        </p:spPr>
-        <p:txBody>
-          <a:bodyPr wrap="square" rtlCol="0">
-            <a:spAutoFit/>
-          </a:bodyPr>
-          <a:lstStyle/>
-          <a:p>
-            <a:r>
-              <a:rPr lang="de-DE" sz="800" dirty="0">
-                <a:latin typeface="Arial" panose="020B0604020202020204" pitchFamily="34" charset="0"/>
-                <a:cs typeface="Arial" panose="020B0604020202020204" pitchFamily="34" charset="0"/>
-                <a:hlinkClick r:id="rId3"/>
-              </a:rPr>
-              <a:t>https://github.com/SJetz/EPWS2122JetzPettinger/wiki/potenzielle-Features</a:t>
-            </a:r>
-            <a:endParaRPr lang="de-DE" sz="800" dirty="0">
-              <a:latin typeface="Arial" panose="020B0604020202020204" pitchFamily="34" charset="0"/>
-              <a:cs typeface="Arial" panose="020B0604020202020204" pitchFamily="34" charset="0"/>
-            </a:endParaRPr>
-          </a:p>
-          <a:p>
-            <a:endParaRPr lang="de-DE" sz="800" dirty="0">
-              <a:latin typeface="Arial" panose="020B0604020202020204" pitchFamily="34" charset="0"/>
-              <a:cs typeface="Arial" panose="020B0604020202020204" pitchFamily="34" charset="0"/>
-            </a:endParaRPr>
-          </a:p>
-        </p:txBody>
-      </p:sp>
-    </p:spTree>
-    <p:extLst>
-      <p:ext uri="{BB962C8B-B14F-4D97-AF65-F5344CB8AC3E}">
-        <p14:creationId xmlns:p14="http://schemas.microsoft.com/office/powerpoint/2010/main" val="3947672540"/>
-      </p:ext>
-    </p:extLst>
-  </p:cSld>
-  <p:clrMapOvr>
-    <a:masterClrMapping/>
-  </p:clrMapOvr>
-</p:sld>
-</file>
-
-<file path=ppt/slides/slide16.xml><?xml version="1.0" encoding="utf-8"?>
-<p:sld xmlns:a="http://schemas.openxmlformats.org/drawingml/2006/main" xmlns:r="http://schemas.openxmlformats.org/officeDocument/2006/relationships" xmlns:p="http://schemas.openxmlformats.org/presentationml/2006/main">
-  <p:cSld>
-    <p:spTree>
-      <p:nvGrpSpPr>
-        <p:cNvPr id="1" name=""/>
-        <p:cNvGrpSpPr/>
-        <p:nvPr/>
-      </p:nvGrpSpPr>
-      <p:grpSpPr>
-        <a:xfrm>
-          <a:off x="0" y="0"/>
-          <a:ext cx="0" cy="0"/>
-          <a:chOff x="0" y="0"/>
-          <a:chExt cx="0" cy="0"/>
-        </a:xfrm>
-      </p:grpSpPr>
-      <p:sp>
-        <p:nvSpPr>
-          <p:cNvPr id="2" name="Titel 1">
-            <a:extLst>
-              <a:ext uri="{FF2B5EF4-FFF2-40B4-BE49-F238E27FC236}">
-                <a16:creationId xmlns:a16="http://schemas.microsoft.com/office/drawing/2014/main" id="{FB9FEF76-EE6D-4706-8B1F-1DB90576041A}"/>
-              </a:ext>
-            </a:extLst>
-          </p:cNvPr>
-          <p:cNvSpPr>
-            <a:spLocks noGrp="1"/>
-          </p:cNvSpPr>
-          <p:nvPr>
-            <p:ph type="title"/>
-          </p:nvPr>
-        </p:nvSpPr>
-        <p:spPr/>
-        <p:txBody>
-          <a:bodyPr/>
-          <a:lstStyle/>
-          <a:p>
-            <a:r>
-              <a:rPr lang="de-DE" dirty="0"/>
-              <a:t>Quellen</a:t>
-            </a:r>
-          </a:p>
-        </p:txBody>
-      </p:sp>
-      <p:sp>
-        <p:nvSpPr>
-          <p:cNvPr id="3" name="Inhaltsplatzhalter 2">
-            <a:extLst>
-              <a:ext uri="{FF2B5EF4-FFF2-40B4-BE49-F238E27FC236}">
-                <a16:creationId xmlns:a16="http://schemas.microsoft.com/office/drawing/2014/main" id="{90CF0E86-1E1A-4AAB-A2BC-C13DCE791112}"/>
-              </a:ext>
-            </a:extLst>
-          </p:cNvPr>
-          <p:cNvSpPr>
-            <a:spLocks noGrp="1"/>
-          </p:cNvSpPr>
-          <p:nvPr>
-            <p:ph sz="quarter" idx="12"/>
-          </p:nvPr>
-        </p:nvSpPr>
-        <p:spPr/>
-        <p:txBody>
-          <a:bodyPr/>
-          <a:lstStyle/>
-          <a:p>
-            <a:pPr>
-              <a:buFont typeface="Arial" panose="020B0604020202020204" pitchFamily="34" charset="0"/>
-              <a:buChar char="•"/>
-            </a:pPr>
-            <a:endParaRPr lang="de-DE" dirty="0"/>
-          </a:p>
-          <a:p>
-            <a:pPr lvl="5">
-              <a:buFontTx/>
-              <a:buChar char="-"/>
-            </a:pPr>
-            <a:endParaRPr lang="de-DE" dirty="0"/>
-          </a:p>
-        </p:txBody>
-      </p:sp>
-      <p:sp>
-        <p:nvSpPr>
-          <p:cNvPr id="4" name="Textplatzhalter 3">
-            <a:extLst>
-              <a:ext uri="{FF2B5EF4-FFF2-40B4-BE49-F238E27FC236}">
-                <a16:creationId xmlns:a16="http://schemas.microsoft.com/office/drawing/2014/main" id="{547A9675-CD91-4EBA-81F7-CA4C13AFBB62}"/>
-              </a:ext>
-            </a:extLst>
-          </p:cNvPr>
-          <p:cNvSpPr>
-            <a:spLocks noGrp="1"/>
-          </p:cNvSpPr>
-          <p:nvPr>
-            <p:ph type="body" idx="13"/>
-          </p:nvPr>
-        </p:nvSpPr>
-        <p:spPr/>
-        <p:txBody>
-          <a:bodyPr/>
-          <a:lstStyle/>
-          <a:p>
-            <a:r>
-              <a:rPr lang="de-DE" dirty="0"/>
-              <a:t>Quellen</a:t>
-            </a:r>
-          </a:p>
-        </p:txBody>
-      </p:sp>
-      <p:sp>
-        <p:nvSpPr>
-          <p:cNvPr id="5" name="Datumsplatzhalter 4">
-            <a:extLst>
-              <a:ext uri="{FF2B5EF4-FFF2-40B4-BE49-F238E27FC236}">
-                <a16:creationId xmlns:a16="http://schemas.microsoft.com/office/drawing/2014/main" id="{93DE607D-99B8-4F66-9BE6-7BCA29CE5CCD}"/>
-              </a:ext>
-            </a:extLst>
-          </p:cNvPr>
-          <p:cNvSpPr>
-            <a:spLocks noGrp="1"/>
-          </p:cNvSpPr>
-          <p:nvPr>
-            <p:ph type="dt" sz="half" idx="14"/>
-          </p:nvPr>
-        </p:nvSpPr>
-        <p:spPr/>
-        <p:txBody>
-          <a:bodyPr/>
-          <a:lstStyle/>
-          <a:p>
-            <a:pPr>
-              <a:defRPr/>
-            </a:pPr>
-            <a:fld id="{B64CBA54-30FD-4718-9862-FA8DE106E2AC}" type="datetime1">
-              <a:rPr lang="de-DE" smtClean="0"/>
-              <a:pPr>
-                <a:defRPr/>
-              </a:pPr>
-              <a:t>04.11.2021</a:t>
-            </a:fld>
-            <a:endParaRPr lang="de-DE" dirty="0"/>
-          </a:p>
-        </p:txBody>
-      </p:sp>
-      <p:sp>
-        <p:nvSpPr>
-          <p:cNvPr id="6" name="Foliennummernplatzhalter 5">
-            <a:extLst>
-              <a:ext uri="{FF2B5EF4-FFF2-40B4-BE49-F238E27FC236}">
-                <a16:creationId xmlns:a16="http://schemas.microsoft.com/office/drawing/2014/main" id="{23BF8046-2539-4FAA-9DE3-99F749A60FDB}"/>
-              </a:ext>
-            </a:extLst>
-          </p:cNvPr>
-          <p:cNvSpPr>
-            <a:spLocks noGrp="1"/>
-          </p:cNvSpPr>
-          <p:nvPr>
-            <p:ph type="sldNum" sz="quarter" idx="15"/>
-          </p:nvPr>
-        </p:nvSpPr>
-        <p:spPr/>
-        <p:txBody>
-          <a:bodyPr/>
-          <a:lstStyle/>
-          <a:p>
-            <a:r>
-              <a:rPr lang="de-DE"/>
-              <a:t>Seite </a:t>
-            </a:r>
-            <a:fld id="{8BA1C4DF-B313-402B-B18E-730A74683949}" type="slidenum">
-              <a:rPr lang="de-DE" smtClean="0"/>
-              <a:pPr/>
-              <a:t>16</a:t>
             </a:fld>
             <a:endParaRPr lang="de-DE"/>
           </a:p>
@@ -10928,7 +10129,7 @@
             </a:pPr>
             <a:r>
               <a:rPr lang="de-DE" dirty="0"/>
-              <a:t>Einkaufplanung</a:t>
+              <a:t>Kulturtechniken</a:t>
             </a:r>
           </a:p>
           <a:p>
@@ -10938,7 +10139,7 @@
             </a:pPr>
             <a:r>
               <a:rPr lang="de-DE" dirty="0"/>
-              <a:t>Geldverwaltung</a:t>
+              <a:t>Produktvielfalt</a:t>
             </a:r>
           </a:p>
           <a:p>
@@ -10948,7 +10149,7 @@
             </a:pPr>
             <a:r>
               <a:rPr lang="de-DE" dirty="0"/>
-              <a:t>Kulturtechniken</a:t>
+              <a:t>Einkaufplanung</a:t>
             </a:r>
           </a:p>
           <a:p>
@@ -10958,7 +10159,7 @@
             </a:pPr>
             <a:r>
               <a:rPr lang="de-DE" dirty="0"/>
-              <a:t>Produktvielfalt</a:t>
+              <a:t>Geldverwaltung</a:t>
             </a:r>
           </a:p>
           <a:p>
@@ -10978,28 +10179,8 @@
             </a:pPr>
             <a:r>
               <a:rPr lang="de-DE" dirty="0"/>
-              <a:t>Das betreuende Personal übernimmt die Aufgaben, bei denen es Probleme gibt. </a:t>
-            </a:r>
-          </a:p>
-          <a:p>
-            <a:pPr lvl="3">
-              <a:buFontTx/>
-              <a:buChar char="-"/>
-            </a:pPr>
-            <a:endParaRPr lang="de-DE" dirty="0"/>
-          </a:p>
-          <a:p>
-            <a:pPr marL="542925" lvl="3" indent="0">
-              <a:buNone/>
-            </a:pPr>
-            <a:endParaRPr lang="de-DE" dirty="0"/>
-          </a:p>
-          <a:p>
-            <a:pPr lvl="5">
-              <a:buFontTx/>
-              <a:buChar char="-"/>
-            </a:pPr>
-            <a:endParaRPr lang="de-DE" dirty="0"/>
+              <a:t>Das betreuende Personal unterstützt/übernimmt die Aufgaben, bei denen es Probleme gibt. </a:t>
+            </a:r>
           </a:p>
           <a:p>
             <a:pPr lvl="5">
@@ -11067,7 +10248,7 @@
               <a:pPr>
                 <a:defRPr/>
               </a:pPr>
-              <a:t>04.11.2021</a:t>
+              <a:t>05.11.2021</a:t>
             </a:fld>
             <a:endParaRPr lang="de-DE" dirty="0"/>
           </a:p>
@@ -11209,7 +10390,7 @@
           <a:p>
             <a:r>
               <a:rPr lang="de-DE" dirty="0"/>
-              <a:t>Zielhierarchie</a:t>
+              <a:t>Marktrecherche</a:t>
             </a:r>
           </a:p>
         </p:txBody>
@@ -11240,29 +10421,12 @@
               <a:buChar char="•"/>
             </a:pPr>
             <a:r>
-              <a:rPr lang="de-DE" dirty="0"/>
-              <a:t>Strategisches Ziel</a:t>
-            </a:r>
-          </a:p>
-          <a:p>
-            <a:pPr lvl="3">
-              <a:buFont typeface="Arial" panose="020B0604020202020204" pitchFamily="34" charset="0"/>
-              <a:buChar char="•"/>
-            </a:pPr>
-            <a:r>
-              <a:rPr lang="de-DE" dirty="0"/>
-              <a:t>Inklusion und Autonomie von Personen mit mentaler Retardierung</a:t>
-            </a:r>
-          </a:p>
-          <a:p>
-            <a:pPr lvl="3">
-              <a:buFont typeface="Arial" panose="020B0604020202020204" pitchFamily="34" charset="0"/>
-              <a:buChar char="•"/>
-            </a:pPr>
-            <a:r>
-              <a:rPr lang="de-DE" dirty="0"/>
-              <a:t>Arbeitsalltagserleichterung des Betreuungspersonals</a:t>
-            </a:r>
+              <a:rPr lang="de-DE" b="1" dirty="0">
+                <a:hlinkClick r:id="rId3"/>
+              </a:rPr>
+              <a:t>Idee von Marc Steffen</a:t>
+            </a:r>
+            <a:endParaRPr lang="de-DE" b="1" dirty="0"/>
           </a:p>
           <a:p>
             <a:pPr>
@@ -11270,89 +10434,15 @@
               <a:buChar char="•"/>
             </a:pPr>
             <a:r>
-              <a:rPr lang="de-DE" dirty="0"/>
-              <a:t>Taktisches Ziel</a:t>
-            </a:r>
-          </a:p>
-          <a:p>
-            <a:pPr lvl="3">
-              <a:buFont typeface="Arial" panose="020B0604020202020204" pitchFamily="34" charset="0"/>
-              <a:buChar char="•"/>
-            </a:pPr>
-            <a:r>
-              <a:rPr lang="de-DE" dirty="0"/>
-              <a:t>Einen digitalen Einkaufsplaner, der das aktuelle Supermarktangebot in vereinfachter audiovisueller Form darstellt</a:t>
-            </a:r>
-          </a:p>
-          <a:p>
-            <a:pPr>
-              <a:buFont typeface="Arial" panose="020B0604020202020204" pitchFamily="34" charset="0"/>
-              <a:buChar char="•"/>
-            </a:pPr>
-            <a:r>
-              <a:rPr lang="de-DE" dirty="0"/>
-              <a:t>Operatives Ziel</a:t>
-            </a:r>
-          </a:p>
-          <a:p>
-            <a:pPr lvl="3">
-              <a:buFont typeface="Arial" panose="020B0604020202020204" pitchFamily="34" charset="0"/>
-              <a:buChar char="•"/>
-            </a:pPr>
-            <a:r>
-              <a:rPr lang="de-DE" dirty="0"/>
-              <a:t>Klar verständliche und einfach gehaltene Audiospuren</a:t>
-            </a:r>
-          </a:p>
-          <a:p>
-            <a:pPr lvl="3">
-              <a:buFont typeface="Arial" panose="020B0604020202020204" pitchFamily="34" charset="0"/>
-              <a:buChar char="•"/>
-            </a:pPr>
-            <a:r>
-              <a:rPr lang="de-DE" dirty="0"/>
-              <a:t>Eindeutige und einfache gehaltene (Symbole-)Bilder und Farben</a:t>
-            </a:r>
-          </a:p>
-          <a:p>
-            <a:pPr lvl="3">
-              <a:buFont typeface="Arial" panose="020B0604020202020204" pitchFamily="34" charset="0"/>
-              <a:buChar char="•"/>
-            </a:pPr>
-            <a:r>
-              <a:rPr lang="de-DE" dirty="0"/>
-              <a:t>Eindeutige Semantik</a:t>
-            </a:r>
-          </a:p>
-          <a:p>
-            <a:pPr lvl="3">
-              <a:buFont typeface="Arial" panose="020B0604020202020204" pitchFamily="34" charset="0"/>
-              <a:buChar char="•"/>
-            </a:pPr>
-            <a:r>
-              <a:rPr lang="de-DE" dirty="0"/>
-              <a:t>Einfache Bedien- und Anzeigeelemente</a:t>
-            </a:r>
-          </a:p>
-          <a:p>
-            <a:pPr marL="542925" lvl="3" indent="0">
-              <a:buNone/>
-            </a:pPr>
-            <a:endParaRPr lang="de-DE" dirty="0"/>
-          </a:p>
-          <a:p>
-            <a:pPr lvl="5">
-              <a:buFontTx/>
-              <a:buChar char="-"/>
-            </a:pPr>
-            <a:endParaRPr lang="de-DE" dirty="0"/>
-          </a:p>
-          <a:p>
-            <a:pPr lvl="5">
-              <a:buFontTx/>
-              <a:buChar char="-"/>
-            </a:pPr>
-            <a:endParaRPr lang="de-DE" dirty="0"/>
+              <a:rPr lang="de-DE" b="1" dirty="0">
+                <a:hlinkClick r:id="rId4"/>
+              </a:rPr>
+              <a:t>Grace-App</a:t>
+            </a:r>
+            <a:r>
+              <a:rPr lang="de-DE" b="1" dirty="0"/>
+              <a:t> </a:t>
+            </a:r>
           </a:p>
         </p:txBody>
       </p:sp>
@@ -11379,7 +10469,7 @@
           <a:p>
             <a:r>
               <a:rPr lang="de-DE" dirty="0"/>
-              <a:t>Exposé</a:t>
+              <a:t>Marktrecherche</a:t>
             </a:r>
           </a:p>
         </p:txBody>
@@ -11413,7 +10503,7 @@
               <a:pPr>
                 <a:defRPr/>
               </a:pPr>
-              <a:t>04.11.2021</a:t>
+              <a:t>05.11.2021</a:t>
             </a:fld>
             <a:endParaRPr lang="de-DE" dirty="0"/>
           </a:p>
@@ -11458,7 +10548,7 @@
           <p:cNvPr id="7" name="Textfeld 6">
             <a:extLst>
               <a:ext uri="{FF2B5EF4-FFF2-40B4-BE49-F238E27FC236}">
-                <a16:creationId xmlns:a16="http://schemas.microsoft.com/office/drawing/2014/main" id="{A3A4FFA5-3EC6-409C-8C21-F7D058CF23A7}"/>
+                <a16:creationId xmlns:a16="http://schemas.microsoft.com/office/drawing/2014/main" id="{62D9E4A4-DF4D-4EBD-869F-547694098A62}"/>
               </a:ext>
             </a:extLst>
           </p:cNvPr>
@@ -11485,9 +10575,9 @@
               <a:rPr lang="de-DE" sz="800" dirty="0">
                 <a:latin typeface="Arial" panose="020B0604020202020204" pitchFamily="34" charset="0"/>
                 <a:cs typeface="Arial" panose="020B0604020202020204" pitchFamily="34" charset="0"/>
-                <a:hlinkClick r:id="rId2"/>
+                <a:hlinkClick r:id="rId5"/>
               </a:rPr>
-              <a:t>https://github.com/SJetz/EPWS2122JetzPettinger/wiki/Expos%C3%A9</a:t>
+              <a:t>https://github.com/SJetz/EPWS2122JetzPettinger/wiki/Marktrecherche</a:t>
             </a:r>
             <a:endParaRPr lang="de-DE" sz="800" dirty="0">
               <a:latin typeface="Arial" panose="020B0604020202020204" pitchFamily="34" charset="0"/>
@@ -11505,7 +10595,7 @@
     </p:spTree>
     <p:extLst>
       <p:ext uri="{BB962C8B-B14F-4D97-AF65-F5344CB8AC3E}">
-        <p14:creationId xmlns:p14="http://schemas.microsoft.com/office/powerpoint/2010/main" val="1354278580"/>
+        <p14:creationId xmlns:p14="http://schemas.microsoft.com/office/powerpoint/2010/main" val="3536970057"/>
       </p:ext>
     </p:extLst>
   </p:cSld>
@@ -11555,7 +10645,7 @@
           <a:p>
             <a:r>
               <a:rPr lang="de-DE" dirty="0"/>
-              <a:t>Relevanz</a:t>
+              <a:t>Zielhierarchie</a:t>
             </a:r>
           </a:p>
         </p:txBody>
@@ -11587,7 +10677,7 @@
             </a:pPr>
             <a:r>
               <a:rPr lang="de-DE" dirty="0"/>
-              <a:t>Gesellschaftliche Relevanz</a:t>
+              <a:t>Strategisches Ziel</a:t>
             </a:r>
           </a:p>
           <a:p>
@@ -11597,7 +10687,7 @@
             </a:pPr>
             <a:r>
               <a:rPr lang="de-DE" dirty="0"/>
-              <a:t>Inklusion und Autonomie mental retardierender Personen in der Gesellschaft voranzutreiben</a:t>
+              <a:t>Inklusion und Autonomie von Personen mit mentaler Retardierung</a:t>
             </a:r>
           </a:p>
           <a:p>
@@ -11607,8 +10697,84 @@
             </a:pPr>
             <a:r>
               <a:rPr lang="de-DE" dirty="0"/>
-              <a:t>Alltagsherausforderungen eigenständig meistern, um das Selbstwertgefühl betroffener Personen anzuheben. </a:t>
-            </a:r>
+              <a:t>Arbeitsalltagserleichterung des Betreuungspersonals</a:t>
+            </a:r>
+          </a:p>
+          <a:p>
+            <a:pPr>
+              <a:buFont typeface="Arial" panose="020B0604020202020204" pitchFamily="34" charset="0"/>
+              <a:buChar char="•"/>
+            </a:pPr>
+            <a:r>
+              <a:rPr lang="de-DE" dirty="0"/>
+              <a:t>Taktisches Ziel</a:t>
+            </a:r>
+          </a:p>
+          <a:p>
+            <a:pPr lvl="3">
+              <a:buFont typeface="Arial" panose="020B0604020202020204" pitchFamily="34" charset="0"/>
+              <a:buChar char="•"/>
+            </a:pPr>
+            <a:r>
+              <a:rPr lang="de-DE" dirty="0"/>
+              <a:t>Einen digitalen Einkaufsplaner, der das aktuelle Supermarktangebot in vereinfachter audiovisueller Form darstellt</a:t>
+            </a:r>
+          </a:p>
+          <a:p>
+            <a:pPr>
+              <a:buFont typeface="Arial" panose="020B0604020202020204" pitchFamily="34" charset="0"/>
+              <a:buChar char="•"/>
+            </a:pPr>
+            <a:r>
+              <a:rPr lang="de-DE" dirty="0"/>
+              <a:t>Operatives Ziel</a:t>
+            </a:r>
+          </a:p>
+          <a:p>
+            <a:pPr lvl="3">
+              <a:buFont typeface="Arial" panose="020B0604020202020204" pitchFamily="34" charset="0"/>
+              <a:buChar char="•"/>
+            </a:pPr>
+            <a:r>
+              <a:rPr lang="de-DE" dirty="0"/>
+              <a:t>Klar verständliche und einfach gehaltene Audiospuren</a:t>
+            </a:r>
+          </a:p>
+          <a:p>
+            <a:pPr lvl="3">
+              <a:buFont typeface="Arial" panose="020B0604020202020204" pitchFamily="34" charset="0"/>
+              <a:buChar char="•"/>
+            </a:pPr>
+            <a:r>
+              <a:rPr lang="de-DE" dirty="0"/>
+              <a:t>Eindeutige und einfache gehaltene (Symbol-)Bilder und Farben</a:t>
+            </a:r>
+          </a:p>
+          <a:p>
+            <a:pPr lvl="3">
+              <a:buFont typeface="Arial" panose="020B0604020202020204" pitchFamily="34" charset="0"/>
+              <a:buChar char="•"/>
+            </a:pPr>
+            <a:r>
+              <a:rPr lang="de-DE" dirty="0"/>
+              <a:t>Eindeutige Semantik</a:t>
+            </a:r>
+          </a:p>
+          <a:p>
+            <a:pPr lvl="3">
+              <a:buFont typeface="Arial" panose="020B0604020202020204" pitchFamily="34" charset="0"/>
+              <a:buChar char="•"/>
+            </a:pPr>
+            <a:r>
+              <a:rPr lang="de-DE" dirty="0"/>
+              <a:t>Einfache/Bekannte Bedien- und Anzeigeelemente</a:t>
+            </a:r>
+          </a:p>
+          <a:p>
+            <a:pPr marL="542925" lvl="3" indent="0">
+              <a:buNone/>
+            </a:pPr>
+            <a:endParaRPr lang="de-DE" dirty="0"/>
           </a:p>
           <a:p>
             <a:pPr lvl="5">
@@ -11683,7 +10849,7 @@
               <a:pPr>
                 <a:defRPr/>
               </a:pPr>
-              <a:t>04.11.2021</a:t>
+              <a:t>05.11.2021</a:t>
             </a:fld>
             <a:endParaRPr lang="de-DE" dirty="0"/>
           </a:p>
@@ -11728,7 +10894,7 @@
           <p:cNvPr id="7" name="Textfeld 6">
             <a:extLst>
               <a:ext uri="{FF2B5EF4-FFF2-40B4-BE49-F238E27FC236}">
-                <a16:creationId xmlns:a16="http://schemas.microsoft.com/office/drawing/2014/main" id="{62D9E4A4-DF4D-4EBD-869F-547694098A62}"/>
+                <a16:creationId xmlns:a16="http://schemas.microsoft.com/office/drawing/2014/main" id="{A3A4FFA5-3EC6-409C-8C21-F7D058CF23A7}"/>
               </a:ext>
             </a:extLst>
           </p:cNvPr>
@@ -11755,7 +10921,7 @@
               <a:rPr lang="de-DE" sz="800" dirty="0">
                 <a:latin typeface="Arial" panose="020B0604020202020204" pitchFamily="34" charset="0"/>
                 <a:cs typeface="Arial" panose="020B0604020202020204" pitchFamily="34" charset="0"/>
-                <a:hlinkClick r:id="rId3"/>
+                <a:hlinkClick r:id="rId2"/>
               </a:rPr>
               <a:t>https://github.com/SJetz/EPWS2122JetzPettinger/wiki/Expos%C3%A9</a:t>
             </a:r>
@@ -11775,7 +10941,7 @@
     </p:spTree>
     <p:extLst>
       <p:ext uri="{BB962C8B-B14F-4D97-AF65-F5344CB8AC3E}">
-        <p14:creationId xmlns:p14="http://schemas.microsoft.com/office/powerpoint/2010/main" val="41228242"/>
+        <p14:creationId xmlns:p14="http://schemas.microsoft.com/office/powerpoint/2010/main" val="1354278580"/>
       </p:ext>
     </p:extLst>
   </p:cSld>
@@ -11824,12 +10990,50 @@
           <a:lstStyle/>
           <a:p>
             <a:r>
-              <a:rPr lang="de-DE" dirty="0" err="1"/>
-              <a:t>Fishbone</a:t>
-            </a:r>
-            <a:r>
               <a:rPr lang="de-DE" dirty="0"/>
-              <a:t> Diagramm </a:t>
+              <a:t>Relevanz</a:t>
+            </a:r>
+          </a:p>
+        </p:txBody>
+      </p:sp>
+      <p:sp>
+        <p:nvSpPr>
+          <p:cNvPr id="3" name="Inhaltsplatzhalter 2">
+            <a:extLst>
+              <a:ext uri="{FF2B5EF4-FFF2-40B4-BE49-F238E27FC236}">
+                <a16:creationId xmlns:a16="http://schemas.microsoft.com/office/drawing/2014/main" id="{90CF0E86-1E1A-4AAB-A2BC-C13DCE791112}"/>
+              </a:ext>
+            </a:extLst>
+          </p:cNvPr>
+          <p:cNvSpPr>
+            <a:spLocks noGrp="1"/>
+          </p:cNvSpPr>
+          <p:nvPr>
+            <p:ph sz="quarter" idx="12"/>
+          </p:nvPr>
+        </p:nvSpPr>
+        <p:spPr/>
+        <p:txBody>
+          <a:bodyPr/>
+          <a:lstStyle/>
+          <a:p>
+            <a:pPr>
+              <a:buFont typeface="Arial" panose="020B0604020202020204" pitchFamily="34" charset="0"/>
+              <a:buChar char="•"/>
+            </a:pPr>
+            <a:r>
+              <a:rPr lang="de-DE" dirty="0"/>
+              <a:t>Gesellschaftliche Relevanz</a:t>
+            </a:r>
+          </a:p>
+          <a:p>
+            <a:pPr lvl="3">
+              <a:buFont typeface="Arial" panose="020B0604020202020204" pitchFamily="34" charset="0"/>
+              <a:buChar char="•"/>
+            </a:pPr>
+            <a:r>
+              <a:rPr lang="de-DE" dirty="0"/>
+              <a:t>Inklusion und Autonomie mental retardierender Personen in der Gesellschaft voranzutreiben</a:t>
             </a:r>
           </a:p>
         </p:txBody>
@@ -11857,7 +11061,7 @@
           <a:p>
             <a:r>
               <a:rPr lang="de-DE" dirty="0"/>
-              <a:t>Domäne</a:t>
+              <a:t>Exposé</a:t>
             </a:r>
           </a:p>
         </p:txBody>
@@ -11891,7 +11095,7 @@
               <a:pPr>
                 <a:defRPr/>
               </a:pPr>
-              <a:t>04.11.2021</a:t>
+              <a:t>05.11.2021</a:t>
             </a:fld>
             <a:endParaRPr lang="de-DE" dirty="0"/>
           </a:p>
@@ -11926,6 +11130,214 @@
               <a:rPr lang="de-DE" smtClean="0"/>
               <a:pPr/>
               <a:t>5</a:t>
+            </a:fld>
+            <a:endParaRPr lang="de-DE"/>
+          </a:p>
+        </p:txBody>
+      </p:sp>
+      <p:sp>
+        <p:nvSpPr>
+          <p:cNvPr id="7" name="Textfeld 6">
+            <a:extLst>
+              <a:ext uri="{FF2B5EF4-FFF2-40B4-BE49-F238E27FC236}">
+                <a16:creationId xmlns:a16="http://schemas.microsoft.com/office/drawing/2014/main" id="{A3A4FFA5-3EC6-409C-8C21-F7D058CF23A7}"/>
+              </a:ext>
+            </a:extLst>
+          </p:cNvPr>
+          <p:cNvSpPr txBox="1"/>
+          <p:nvPr/>
+        </p:nvSpPr>
+        <p:spPr>
+          <a:xfrm>
+            <a:off x="1880315" y="6361113"/>
+            <a:ext cx="5628067" cy="338554"/>
+          </a:xfrm>
+          <a:prstGeom prst="rect">
+            <a:avLst/>
+          </a:prstGeom>
+          <a:noFill/>
+        </p:spPr>
+        <p:txBody>
+          <a:bodyPr wrap="square" rtlCol="0">
+            <a:spAutoFit/>
+          </a:bodyPr>
+          <a:lstStyle/>
+          <a:p>
+            <a:r>
+              <a:rPr lang="de-DE" sz="800" dirty="0">
+                <a:latin typeface="Arial" panose="020B0604020202020204" pitchFamily="34" charset="0"/>
+                <a:cs typeface="Arial" panose="020B0604020202020204" pitchFamily="34" charset="0"/>
+                <a:hlinkClick r:id="rId3"/>
+              </a:rPr>
+              <a:t>https://github.com/SJetz/EPWS2122JetzPettinger/wiki/Expos%C3%A9</a:t>
+            </a:r>
+            <a:endParaRPr lang="de-DE" sz="800" dirty="0">
+              <a:latin typeface="Arial" panose="020B0604020202020204" pitchFamily="34" charset="0"/>
+              <a:cs typeface="Arial" panose="020B0604020202020204" pitchFamily="34" charset="0"/>
+            </a:endParaRPr>
+          </a:p>
+          <a:p>
+            <a:endParaRPr lang="de-DE" sz="800" dirty="0">
+              <a:latin typeface="Arial" panose="020B0604020202020204" pitchFamily="34" charset="0"/>
+              <a:cs typeface="Arial" panose="020B0604020202020204" pitchFamily="34" charset="0"/>
+            </a:endParaRPr>
+          </a:p>
+        </p:txBody>
+      </p:sp>
+    </p:spTree>
+    <p:extLst>
+      <p:ext uri="{BB962C8B-B14F-4D97-AF65-F5344CB8AC3E}">
+        <p14:creationId xmlns:p14="http://schemas.microsoft.com/office/powerpoint/2010/main" val="2287027955"/>
+      </p:ext>
+    </p:extLst>
+  </p:cSld>
+  <p:clrMapOvr>
+    <a:masterClrMapping/>
+  </p:clrMapOvr>
+</p:sld>
+</file>
+
+<file path=ppt/slides/slide6.xml><?xml version="1.0" encoding="utf-8"?>
+<p:sld xmlns:a="http://schemas.openxmlformats.org/drawingml/2006/main" xmlns:r="http://schemas.openxmlformats.org/officeDocument/2006/relationships" xmlns:p="http://schemas.openxmlformats.org/presentationml/2006/main">
+  <p:cSld>
+    <p:spTree>
+      <p:nvGrpSpPr>
+        <p:cNvPr id="1" name=""/>
+        <p:cNvGrpSpPr/>
+        <p:nvPr/>
+      </p:nvGrpSpPr>
+      <p:grpSpPr>
+        <a:xfrm>
+          <a:off x="0" y="0"/>
+          <a:ext cx="0" cy="0"/>
+          <a:chOff x="0" y="0"/>
+          <a:chExt cx="0" cy="0"/>
+        </a:xfrm>
+      </p:grpSpPr>
+      <p:sp>
+        <p:nvSpPr>
+          <p:cNvPr id="2" name="Titel 1">
+            <a:extLst>
+              <a:ext uri="{FF2B5EF4-FFF2-40B4-BE49-F238E27FC236}">
+                <a16:creationId xmlns:a16="http://schemas.microsoft.com/office/drawing/2014/main" id="{FB9FEF76-EE6D-4706-8B1F-1DB90576041A}"/>
+              </a:ext>
+            </a:extLst>
+          </p:cNvPr>
+          <p:cNvSpPr>
+            <a:spLocks noGrp="1"/>
+          </p:cNvSpPr>
+          <p:nvPr>
+            <p:ph type="title"/>
+          </p:nvPr>
+        </p:nvSpPr>
+        <p:spPr/>
+        <p:txBody>
+          <a:bodyPr/>
+          <a:lstStyle/>
+          <a:p>
+            <a:r>
+              <a:rPr lang="de-DE" dirty="0" err="1"/>
+              <a:t>Fishbone</a:t>
+            </a:r>
+            <a:r>
+              <a:rPr lang="de-DE" dirty="0"/>
+              <a:t> Diagramm </a:t>
+            </a:r>
+          </a:p>
+        </p:txBody>
+      </p:sp>
+      <p:sp>
+        <p:nvSpPr>
+          <p:cNvPr id="4" name="Textplatzhalter 3">
+            <a:extLst>
+              <a:ext uri="{FF2B5EF4-FFF2-40B4-BE49-F238E27FC236}">
+                <a16:creationId xmlns:a16="http://schemas.microsoft.com/office/drawing/2014/main" id="{547A9675-CD91-4EBA-81F7-CA4C13AFBB62}"/>
+              </a:ext>
+            </a:extLst>
+          </p:cNvPr>
+          <p:cNvSpPr>
+            <a:spLocks noGrp="1"/>
+          </p:cNvSpPr>
+          <p:nvPr>
+            <p:ph type="body" idx="13"/>
+          </p:nvPr>
+        </p:nvSpPr>
+        <p:spPr/>
+        <p:txBody>
+          <a:bodyPr/>
+          <a:lstStyle/>
+          <a:p>
+            <a:r>
+              <a:rPr lang="de-DE" dirty="0"/>
+              <a:t>Domäne</a:t>
+            </a:r>
+          </a:p>
+        </p:txBody>
+      </p:sp>
+      <p:sp>
+        <p:nvSpPr>
+          <p:cNvPr id="5" name="Datumsplatzhalter 4">
+            <a:extLst>
+              <a:ext uri="{FF2B5EF4-FFF2-40B4-BE49-F238E27FC236}">
+                <a16:creationId xmlns:a16="http://schemas.microsoft.com/office/drawing/2014/main" id="{93DE607D-99B8-4F66-9BE6-7BCA29CE5CCD}"/>
+              </a:ext>
+            </a:extLst>
+          </p:cNvPr>
+          <p:cNvSpPr>
+            <a:spLocks noGrp="1"/>
+          </p:cNvSpPr>
+          <p:nvPr>
+            <p:ph type="dt" sz="half" idx="14"/>
+          </p:nvPr>
+        </p:nvSpPr>
+        <p:spPr/>
+        <p:txBody>
+          <a:bodyPr/>
+          <a:lstStyle/>
+          <a:p>
+            <a:pPr>
+              <a:defRPr/>
+            </a:pPr>
+            <a:fld id="{B64CBA54-30FD-4718-9862-FA8DE106E2AC}" type="datetime1">
+              <a:rPr lang="de-DE" smtClean="0"/>
+              <a:pPr>
+                <a:defRPr/>
+              </a:pPr>
+              <a:t>05.11.2021</a:t>
+            </a:fld>
+            <a:endParaRPr lang="de-DE" dirty="0"/>
+          </a:p>
+        </p:txBody>
+      </p:sp>
+      <p:sp>
+        <p:nvSpPr>
+          <p:cNvPr id="6" name="Foliennummernplatzhalter 5">
+            <a:extLst>
+              <a:ext uri="{FF2B5EF4-FFF2-40B4-BE49-F238E27FC236}">
+                <a16:creationId xmlns:a16="http://schemas.microsoft.com/office/drawing/2014/main" id="{23BF8046-2539-4FAA-9DE3-99F749A60FDB}"/>
+              </a:ext>
+            </a:extLst>
+          </p:cNvPr>
+          <p:cNvSpPr>
+            <a:spLocks noGrp="1"/>
+          </p:cNvSpPr>
+          <p:nvPr>
+            <p:ph type="sldNum" sz="quarter" idx="15"/>
+          </p:nvPr>
+        </p:nvSpPr>
+        <p:spPr/>
+        <p:txBody>
+          <a:bodyPr/>
+          <a:lstStyle/>
+          <a:p>
+            <a:r>
+              <a:rPr lang="de-DE"/>
+              <a:t>Seite </a:t>
+            </a:r>
+            <a:fld id="{8BA1C4DF-B313-402B-B18E-730A74683949}" type="slidenum">
+              <a:rPr lang="de-DE" smtClean="0"/>
+              <a:pPr/>
+              <a:t>6</a:t>
             </a:fld>
             <a:endParaRPr lang="de-DE"/>
           </a:p>
@@ -12042,7 +11454,7 @@
 </p:sld>
 </file>
 
-<file path=ppt/slides/slide6.xml><?xml version="1.0" encoding="utf-8"?>
+<file path=ppt/slides/slide7.xml><?xml version="1.0" encoding="utf-8"?>
 <p:sld xmlns:a="http://schemas.openxmlformats.org/drawingml/2006/main" xmlns:r="http://schemas.openxmlformats.org/officeDocument/2006/relationships" xmlns:p="http://schemas.openxmlformats.org/presentationml/2006/main">
   <p:cSld>
     <p:spTree>
@@ -12144,7 +11556,7 @@
               <a:pPr>
                 <a:defRPr/>
               </a:pPr>
-              <a:t>04.11.2021</a:t>
+              <a:t>05.11.2021</a:t>
             </a:fld>
             <a:endParaRPr lang="de-DE" dirty="0"/>
           </a:p>
@@ -12178,7 +11590,7 @@
             <a:fld id="{8BA1C4DF-B313-402B-B18E-730A74683949}" type="slidenum">
               <a:rPr lang="de-DE" smtClean="0"/>
               <a:pPr/>
-              <a:t>6</a:t>
+              <a:t>7</a:t>
             </a:fld>
             <a:endParaRPr lang="de-DE"/>
           </a:p>
@@ -12284,246 +11696,6 @@
     <p:extLst>
       <p:ext uri="{BB962C8B-B14F-4D97-AF65-F5344CB8AC3E}">
         <p14:creationId xmlns:p14="http://schemas.microsoft.com/office/powerpoint/2010/main" val="3791070852"/>
-      </p:ext>
-    </p:extLst>
-  </p:cSld>
-  <p:clrMapOvr>
-    <a:masterClrMapping/>
-  </p:clrMapOvr>
-</p:sld>
-</file>
-
-<file path=ppt/slides/slide7.xml><?xml version="1.0" encoding="utf-8"?>
-<p:sld xmlns:a="http://schemas.openxmlformats.org/drawingml/2006/main" xmlns:r="http://schemas.openxmlformats.org/officeDocument/2006/relationships" xmlns:p="http://schemas.openxmlformats.org/presentationml/2006/main">
-  <p:cSld>
-    <p:spTree>
-      <p:nvGrpSpPr>
-        <p:cNvPr id="1" name=""/>
-        <p:cNvGrpSpPr/>
-        <p:nvPr/>
-      </p:nvGrpSpPr>
-      <p:grpSpPr>
-        <a:xfrm>
-          <a:off x="0" y="0"/>
-          <a:ext cx="0" cy="0"/>
-          <a:chOff x="0" y="0"/>
-          <a:chExt cx="0" cy="0"/>
-        </a:xfrm>
-      </p:grpSpPr>
-      <p:sp>
-        <p:nvSpPr>
-          <p:cNvPr id="2" name="Titel 1">
-            <a:extLst>
-              <a:ext uri="{FF2B5EF4-FFF2-40B4-BE49-F238E27FC236}">
-                <a16:creationId xmlns:a16="http://schemas.microsoft.com/office/drawing/2014/main" id="{FB9FEF76-EE6D-4706-8B1F-1DB90576041A}"/>
-              </a:ext>
-            </a:extLst>
-          </p:cNvPr>
-          <p:cNvSpPr>
-            <a:spLocks noGrp="1"/>
-          </p:cNvSpPr>
-          <p:nvPr>
-            <p:ph type="title"/>
-          </p:nvPr>
-        </p:nvSpPr>
-        <p:spPr/>
-        <p:txBody>
-          <a:bodyPr/>
-          <a:lstStyle/>
-          <a:p>
-            <a:r>
-              <a:rPr lang="de-DE" dirty="0"/>
-              <a:t>Zielgruppe</a:t>
-            </a:r>
-          </a:p>
-        </p:txBody>
-      </p:sp>
-      <p:sp>
-        <p:nvSpPr>
-          <p:cNvPr id="3" name="Inhaltsplatzhalter 2">
-            <a:extLst>
-              <a:ext uri="{FF2B5EF4-FFF2-40B4-BE49-F238E27FC236}">
-                <a16:creationId xmlns:a16="http://schemas.microsoft.com/office/drawing/2014/main" id="{90CF0E86-1E1A-4AAB-A2BC-C13DCE791112}"/>
-              </a:ext>
-            </a:extLst>
-          </p:cNvPr>
-          <p:cNvSpPr>
-            <a:spLocks noGrp="1"/>
-          </p:cNvSpPr>
-          <p:nvPr>
-            <p:ph sz="quarter" idx="12"/>
-          </p:nvPr>
-        </p:nvSpPr>
-        <p:spPr/>
-        <p:txBody>
-          <a:bodyPr/>
-          <a:lstStyle/>
-          <a:p>
-            <a:pPr>
-              <a:buFont typeface="Arial" panose="020B0604020202020204" pitchFamily="34" charset="0"/>
-              <a:buChar char="•"/>
-            </a:pPr>
-            <a:endParaRPr lang="de-DE" dirty="0"/>
-          </a:p>
-          <a:p>
-            <a:pPr lvl="5">
-              <a:buFontTx/>
-              <a:buChar char="-"/>
-            </a:pPr>
-            <a:endParaRPr lang="de-DE" dirty="0"/>
-          </a:p>
-        </p:txBody>
-      </p:sp>
-      <p:sp>
-        <p:nvSpPr>
-          <p:cNvPr id="4" name="Textplatzhalter 3">
-            <a:extLst>
-              <a:ext uri="{FF2B5EF4-FFF2-40B4-BE49-F238E27FC236}">
-                <a16:creationId xmlns:a16="http://schemas.microsoft.com/office/drawing/2014/main" id="{547A9675-CD91-4EBA-81F7-CA4C13AFBB62}"/>
-              </a:ext>
-            </a:extLst>
-          </p:cNvPr>
-          <p:cNvSpPr>
-            <a:spLocks noGrp="1"/>
-          </p:cNvSpPr>
-          <p:nvPr>
-            <p:ph type="body" idx="13"/>
-          </p:nvPr>
-        </p:nvSpPr>
-        <p:spPr/>
-        <p:txBody>
-          <a:bodyPr/>
-          <a:lstStyle/>
-          <a:p>
-            <a:r>
-              <a:rPr lang="de-DE" dirty="0"/>
-              <a:t>Domäne</a:t>
-            </a:r>
-          </a:p>
-        </p:txBody>
-      </p:sp>
-      <p:sp>
-        <p:nvSpPr>
-          <p:cNvPr id="5" name="Datumsplatzhalter 4">
-            <a:extLst>
-              <a:ext uri="{FF2B5EF4-FFF2-40B4-BE49-F238E27FC236}">
-                <a16:creationId xmlns:a16="http://schemas.microsoft.com/office/drawing/2014/main" id="{93DE607D-99B8-4F66-9BE6-7BCA29CE5CCD}"/>
-              </a:ext>
-            </a:extLst>
-          </p:cNvPr>
-          <p:cNvSpPr>
-            <a:spLocks noGrp="1"/>
-          </p:cNvSpPr>
-          <p:nvPr>
-            <p:ph type="dt" sz="half" idx="14"/>
-          </p:nvPr>
-        </p:nvSpPr>
-        <p:spPr/>
-        <p:txBody>
-          <a:bodyPr/>
-          <a:lstStyle/>
-          <a:p>
-            <a:pPr>
-              <a:defRPr/>
-            </a:pPr>
-            <a:fld id="{B64CBA54-30FD-4718-9862-FA8DE106E2AC}" type="datetime1">
-              <a:rPr lang="de-DE" smtClean="0"/>
-              <a:pPr>
-                <a:defRPr/>
-              </a:pPr>
-              <a:t>04.11.2021</a:t>
-            </a:fld>
-            <a:endParaRPr lang="de-DE" dirty="0"/>
-          </a:p>
-        </p:txBody>
-      </p:sp>
-      <p:sp>
-        <p:nvSpPr>
-          <p:cNvPr id="6" name="Foliennummernplatzhalter 5">
-            <a:extLst>
-              <a:ext uri="{FF2B5EF4-FFF2-40B4-BE49-F238E27FC236}">
-                <a16:creationId xmlns:a16="http://schemas.microsoft.com/office/drawing/2014/main" id="{23BF8046-2539-4FAA-9DE3-99F749A60FDB}"/>
-              </a:ext>
-            </a:extLst>
-          </p:cNvPr>
-          <p:cNvSpPr>
-            <a:spLocks noGrp="1"/>
-          </p:cNvSpPr>
-          <p:nvPr>
-            <p:ph type="sldNum" sz="quarter" idx="15"/>
-          </p:nvPr>
-        </p:nvSpPr>
-        <p:spPr/>
-        <p:txBody>
-          <a:bodyPr/>
-          <a:lstStyle/>
-          <a:p>
-            <a:r>
-              <a:rPr lang="de-DE"/>
-              <a:t>Seite </a:t>
-            </a:r>
-            <a:fld id="{8BA1C4DF-B313-402B-B18E-730A74683949}" type="slidenum">
-              <a:rPr lang="de-DE" smtClean="0"/>
-              <a:pPr/>
-              <a:t>7</a:t>
-            </a:fld>
-            <a:endParaRPr lang="de-DE"/>
-          </a:p>
-        </p:txBody>
-      </p:sp>
-      <p:sp>
-        <p:nvSpPr>
-          <p:cNvPr id="7" name="Textfeld 6">
-            <a:extLst>
-              <a:ext uri="{FF2B5EF4-FFF2-40B4-BE49-F238E27FC236}">
-                <a16:creationId xmlns:a16="http://schemas.microsoft.com/office/drawing/2014/main" id="{62D9E4A4-DF4D-4EBD-869F-547694098A62}"/>
-              </a:ext>
-            </a:extLst>
-          </p:cNvPr>
-          <p:cNvSpPr txBox="1"/>
-          <p:nvPr/>
-        </p:nvSpPr>
-        <p:spPr>
-          <a:xfrm>
-            <a:off x="1880315" y="6361113"/>
-            <a:ext cx="5628067" cy="338554"/>
-          </a:xfrm>
-          <a:prstGeom prst="rect">
-            <a:avLst/>
-          </a:prstGeom>
-          <a:noFill/>
-        </p:spPr>
-        <p:txBody>
-          <a:bodyPr wrap="square" rtlCol="0">
-            <a:spAutoFit/>
-          </a:bodyPr>
-          <a:lstStyle/>
-          <a:p>
-            <a:r>
-              <a:rPr lang="de-DE" sz="800" dirty="0">
-                <a:latin typeface="Arial" panose="020B0604020202020204" pitchFamily="34" charset="0"/>
-                <a:cs typeface="Arial" panose="020B0604020202020204" pitchFamily="34" charset="0"/>
-                <a:hlinkClick r:id="rId3"/>
-              </a:rPr>
-              <a:t>https://github.com/SJetz/EPWS2122JetzPettinger/wiki/Zielgruppe</a:t>
-            </a:r>
-            <a:endParaRPr lang="de-DE" sz="800" dirty="0">
-              <a:latin typeface="Arial" panose="020B0604020202020204" pitchFamily="34" charset="0"/>
-              <a:cs typeface="Arial" panose="020B0604020202020204" pitchFamily="34" charset="0"/>
-            </a:endParaRPr>
-          </a:p>
-          <a:p>
-            <a:endParaRPr lang="de-DE" sz="800" dirty="0">
-              <a:latin typeface="Arial" panose="020B0604020202020204" pitchFamily="34" charset="0"/>
-              <a:cs typeface="Arial" panose="020B0604020202020204" pitchFamily="34" charset="0"/>
-            </a:endParaRPr>
-          </a:p>
-        </p:txBody>
-      </p:sp>
-    </p:spTree>
-    <p:extLst>
-      <p:ext uri="{BB962C8B-B14F-4D97-AF65-F5344CB8AC3E}">
-        <p14:creationId xmlns:p14="http://schemas.microsoft.com/office/powerpoint/2010/main" val="674766497"/>
       </p:ext>
     </p:extLst>
   </p:cSld>
@@ -12573,7 +11745,7 @@
           <a:p>
             <a:r>
               <a:rPr lang="de-DE" dirty="0"/>
-              <a:t>Vorgehensmodell</a:t>
+              <a:t>Stakeholder</a:t>
             </a:r>
           </a:p>
         </p:txBody>
@@ -12598,6 +11770,56 @@
         <p:txBody>
           <a:bodyPr/>
           <a:lstStyle/>
+          <a:p>
+            <a:pPr>
+              <a:buFont typeface="Arial" panose="020B0604020202020204" pitchFamily="34" charset="0"/>
+              <a:buChar char="•"/>
+            </a:pPr>
+            <a:r>
+              <a:rPr lang="de-DE" dirty="0"/>
+              <a:t>Personen mit mentaler Retardierung</a:t>
+            </a:r>
+          </a:p>
+          <a:p>
+            <a:pPr>
+              <a:buFont typeface="Arial" panose="020B0604020202020204" pitchFamily="34" charset="0"/>
+              <a:buChar char="•"/>
+            </a:pPr>
+            <a:r>
+              <a:rPr lang="de-DE" dirty="0"/>
+              <a:t>Betreuende Personen</a:t>
+            </a:r>
+          </a:p>
+          <a:p>
+            <a:pPr>
+              <a:buFont typeface="Arial" panose="020B0604020202020204" pitchFamily="34" charset="0"/>
+              <a:buChar char="•"/>
+            </a:pPr>
+            <a:r>
+              <a:rPr lang="de-DE" dirty="0"/>
+              <a:t>Wohneinrichtungen</a:t>
+            </a:r>
+          </a:p>
+          <a:p>
+            <a:pPr>
+              <a:buFont typeface="Arial" panose="020B0604020202020204" pitchFamily="34" charset="0"/>
+              <a:buChar char="•"/>
+            </a:pPr>
+            <a:r>
+              <a:rPr lang="de-DE" dirty="0"/>
+              <a:t>Betreuungsstätten</a:t>
+            </a:r>
+          </a:p>
+          <a:p>
+            <a:pPr>
+              <a:buFont typeface="Arial" panose="020B0604020202020204" pitchFamily="34" charset="0"/>
+              <a:buChar char="•"/>
+            </a:pPr>
+            <a:r>
+              <a:rPr lang="de-DE" dirty="0"/>
+              <a:t>Supermarkt</a:t>
+            </a:r>
+          </a:p>
           <a:p>
             <a:pPr>
               <a:buFont typeface="Arial" panose="020B0604020202020204" pitchFamily="34" charset="0"/>
@@ -12671,7 +11893,7 @@
               <a:pPr>
                 <a:defRPr/>
               </a:pPr>
-              <a:t>04.11.2021</a:t>
+              <a:t>05.11.2021</a:t>
             </a:fld>
             <a:endParaRPr lang="de-DE" dirty="0"/>
           </a:p>
@@ -12745,7 +11967,7 @@
                 <a:cs typeface="Arial" panose="020B0604020202020204" pitchFamily="34" charset="0"/>
                 <a:hlinkClick r:id="rId3"/>
               </a:rPr>
-              <a:t>https://github.com/SJetz/EPWS2122JetzPettinger/wiki/Vorgehensmodell</a:t>
+              <a:t>https://github.com/SJetz/EPWS2122JetzPettinger/wiki/Stakeholder</a:t>
             </a:r>
             <a:endParaRPr lang="de-DE" sz="800" dirty="0">
               <a:latin typeface="Arial" panose="020B0604020202020204" pitchFamily="34" charset="0"/>
@@ -12763,7 +11985,7 @@
     </p:spTree>
     <p:extLst>
       <p:ext uri="{BB962C8B-B14F-4D97-AF65-F5344CB8AC3E}">
-        <p14:creationId xmlns:p14="http://schemas.microsoft.com/office/powerpoint/2010/main" val="496307176"/>
+        <p14:creationId xmlns:p14="http://schemas.microsoft.com/office/powerpoint/2010/main" val="3385202564"/>
       </p:ext>
     </p:extLst>
   </p:cSld>
@@ -12813,7 +12035,7 @@
           <a:p>
             <a:r>
               <a:rPr lang="de-DE" dirty="0"/>
-              <a:t>Stakeholder</a:t>
+              <a:t>Zielgruppe</a:t>
             </a:r>
           </a:p>
         </p:txBody>
@@ -12843,12 +12065,65 @@
               <a:buFont typeface="Arial" panose="020B0604020202020204" pitchFamily="34" charset="0"/>
               <a:buChar char="•"/>
             </a:pPr>
-            <a:endParaRPr lang="de-DE" dirty="0"/>
-          </a:p>
-          <a:p>
-            <a:pPr lvl="5">
-              <a:buFontTx/>
-              <a:buChar char="-"/>
+            <a:r>
+              <a:rPr lang="de-DE" dirty="0"/>
+              <a:t>Menschen der Altersgruppe 35 Jahre und jünger mit:</a:t>
+            </a:r>
+          </a:p>
+          <a:p>
+            <a:pPr lvl="1">
+              <a:buFont typeface="Arial" panose="020B0604020202020204" pitchFamily="34" charset="0"/>
+              <a:buChar char="•"/>
+            </a:pPr>
+            <a:r>
+              <a:rPr lang="de-DE" dirty="0"/>
+              <a:t>mit motorischen Störungen</a:t>
+            </a:r>
+          </a:p>
+          <a:p>
+            <a:pPr lvl="1">
+              <a:buFont typeface="Arial" panose="020B0604020202020204" pitchFamily="34" charset="0"/>
+              <a:buChar char="•"/>
+            </a:pPr>
+            <a:r>
+              <a:rPr lang="de-DE" dirty="0"/>
+              <a:t>geistigen Behinderungen</a:t>
+            </a:r>
+          </a:p>
+          <a:p>
+            <a:pPr lvl="1">
+              <a:buFont typeface="Arial" panose="020B0604020202020204" pitchFamily="34" charset="0"/>
+              <a:buChar char="•"/>
+            </a:pPr>
+            <a:r>
+              <a:rPr lang="de-DE" dirty="0"/>
+              <a:t>Autismus</a:t>
+            </a:r>
+          </a:p>
+          <a:p>
+            <a:pPr lvl="1">
+              <a:buFont typeface="Arial" panose="020B0604020202020204" pitchFamily="34" charset="0"/>
+              <a:buChar char="•"/>
+            </a:pPr>
+            <a:r>
+              <a:rPr lang="de-DE" dirty="0"/>
+              <a:t>verzögerter Sprachentwicklung</a:t>
+            </a:r>
+          </a:p>
+          <a:p>
+            <a:pPr lvl="1">
+              <a:buFont typeface="Arial" panose="020B0604020202020204" pitchFamily="34" charset="0"/>
+              <a:buChar char="•"/>
+            </a:pPr>
+            <a:r>
+              <a:rPr lang="de-DE" dirty="0"/>
+              <a:t>anderen entwicklungsbedingten oder erworbenen Sprach- und Sprechstörungen</a:t>
+            </a:r>
+          </a:p>
+          <a:p>
+            <a:pPr lvl="1">
+              <a:buFont typeface="Arial" panose="020B0604020202020204" pitchFamily="34" charset="0"/>
+              <a:buChar char="•"/>
             </a:pPr>
             <a:endParaRPr lang="de-DE" dirty="0"/>
           </a:p>
@@ -12877,7 +12152,7 @@
           <a:p>
             <a:r>
               <a:rPr lang="de-DE" dirty="0"/>
-              <a:t>Vorgehensmodell</a:t>
+              <a:t>Domäne</a:t>
             </a:r>
           </a:p>
         </p:txBody>
@@ -12911,7 +12186,7 @@
               <a:pPr>
                 <a:defRPr/>
               </a:pPr>
-              <a:t>04.11.2021</a:t>
+              <a:t>05.11.2021</a:t>
             </a:fld>
             <a:endParaRPr lang="de-DE" dirty="0"/>
           </a:p>
@@ -12985,7 +12260,7 @@
                 <a:cs typeface="Arial" panose="020B0604020202020204" pitchFamily="34" charset="0"/>
                 <a:hlinkClick r:id="rId3"/>
               </a:rPr>
-              <a:t>https://github.com/SJetz/EPWS2122JetzPettinger/wiki/Stakeholder</a:t>
+              <a:t>https://github.com/SJetz/EPWS2122JetzPettinger/wiki/Zielgruppe</a:t>
             </a:r>
             <a:endParaRPr lang="de-DE" sz="800" dirty="0">
               <a:latin typeface="Arial" panose="020B0604020202020204" pitchFamily="34" charset="0"/>
@@ -13003,7 +12278,7 @@
     </p:spTree>
     <p:extLst>
       <p:ext uri="{BB962C8B-B14F-4D97-AF65-F5344CB8AC3E}">
-        <p14:creationId xmlns:p14="http://schemas.microsoft.com/office/powerpoint/2010/main" val="3385202564"/>
+        <p14:creationId xmlns:p14="http://schemas.microsoft.com/office/powerpoint/2010/main" val="674766497"/>
       </p:ext>
     </p:extLst>
   </p:cSld>

--- a/Entwicklungsprojekt202122.pptx
+++ b/Entwicklungsprojekt202122.pptx
@@ -17,8 +17,8 @@
     <p:sldId id="262" r:id="rId5"/>
     <p:sldId id="277" r:id="rId6"/>
     <p:sldId id="264" r:id="rId7"/>
-    <p:sldId id="265" r:id="rId8"/>
-    <p:sldId id="268" r:id="rId9"/>
+    <p:sldId id="268" r:id="rId8"/>
+    <p:sldId id="265" r:id="rId9"/>
     <p:sldId id="266" r:id="rId10"/>
     <p:sldId id="267" r:id="rId11"/>
     <p:sldId id="269" r:id="rId12"/>
@@ -830,7 +830,7 @@
                 </a:lnSpc>
                 <a:defRPr/>
               </a:pPr>
-              <a:t>05.11.2021</a:t>
+              <a:t>06.11.2021</a:t>
             </a:fld>
             <a:endParaRPr lang="de-DE" sz="900" dirty="0"/>
           </a:p>
@@ -1822,7 +1822,7 @@
                 </a:lnSpc>
                 <a:defRPr/>
               </a:pPr>
-              <a:t>05.11.2021</a:t>
+              <a:t>06.11.2021</a:t>
             </a:fld>
             <a:endParaRPr lang="de-DE" sz="900" dirty="0"/>
           </a:p>
@@ -2300,6 +2300,14 @@
           <a:bodyPr/>
           <a:lstStyle/>
           <a:p>
+            <a:r>
+              <a:rPr lang="de-DE" dirty="0"/>
+              <a:t>Erfordernisse, Anforderungen und Use Cases sind auf </a:t>
+            </a:r>
+            <a:r>
+              <a:rPr lang="de-DE"/>
+              <a:t>der Wiki-Seite hinterlegt.</a:t>
+            </a:r>
             <a:endParaRPr lang="de-DE" dirty="0"/>
           </a:p>
         </p:txBody>
@@ -2361,7 +2369,28 @@
           <a:bodyPr/>
           <a:lstStyle/>
           <a:p>
-            <a:endParaRPr lang="de-DE" dirty="0"/>
+            <a:r>
+              <a:rPr lang="de-DE" dirty="0"/>
+              <a:t>Weitere nicht technische Risiken sind auf der Wiki Seite zu finden.</a:t>
+            </a:r>
+          </a:p>
+          <a:p>
+            <a:r>
+              <a:rPr lang="de-DE" dirty="0"/>
+              <a:t>Zum Einen könnte es sein, dass die Testergebnisse nicht rechtzeitig eingereicht werden und so die Iteration nur verzögert stattfinden kann.</a:t>
+            </a:r>
+          </a:p>
+          <a:p>
+            <a:r>
+              <a:rPr lang="de-DE" dirty="0"/>
+              <a:t>Zum andern könnte auch die Kommunikation fehlschlangen, die Analyse und Kommunikation über dritte (dem Betreuungspersonal) stattfindet. </a:t>
+            </a:r>
+          </a:p>
+          <a:p>
+            <a:r>
+              <a:rPr lang="de-DE" dirty="0"/>
+              <a:t>Auch dass das Betreuungspersonal zu ungeschult im Umgang mit der Technik ist könnte ein großes Problem da stellen. </a:t>
+            </a:r>
           </a:p>
         </p:txBody>
       </p:sp>
@@ -2422,7 +2451,10 @@
           <a:bodyPr/>
           <a:lstStyle/>
           <a:p>
-            <a:endParaRPr lang="de-DE" dirty="0"/>
+            <a:r>
+              <a:rPr lang="de-DE" dirty="0"/>
+              <a:t>Alle Quellen sind auf der Wiki-Seite verlinkt und genauer beschrieben. </a:t>
+            </a:r>
           </a:p>
         </p:txBody>
       </p:sp>
@@ -2684,7 +2716,241 @@
           <a:bodyPr/>
           <a:lstStyle/>
           <a:p>
+            <a:r>
+              <a:rPr lang="de-DE" dirty="0"/>
+              <a:t>Untersuchung des Problemraums mittels Fish-</a:t>
+            </a:r>
+            <a:r>
+              <a:rPr lang="de-DE" dirty="0" err="1"/>
+              <a:t>Bone</a:t>
+            </a:r>
+            <a:r>
+              <a:rPr lang="de-DE" dirty="0"/>
+              <a:t> Diagramm</a:t>
+            </a:r>
+          </a:p>
+          <a:p>
+            <a:pPr marL="171450" indent="-171450">
+              <a:buFont typeface="Arial" panose="020B0604020202020204" pitchFamily="34" charset="0"/>
+              <a:buChar char="•"/>
+            </a:pPr>
+            <a:r>
+              <a:rPr lang="de-DE" dirty="0"/>
+              <a:t>Personen mit mentaler Retardierung haben fällt es schwer alleine einzukaufen/ dein Einkauf zu planen</a:t>
+            </a:r>
+          </a:p>
+          <a:p>
+            <a:pPr marL="171450" indent="-171450">
+              <a:buFont typeface="Arial" panose="020B0604020202020204" pitchFamily="34" charset="0"/>
+              <a:buChar char="•"/>
+            </a:pPr>
+            <a:r>
+              <a:rPr lang="de-DE" dirty="0"/>
+              <a:t>Ursachen liegen herbei </a:t>
+            </a:r>
+          </a:p>
+          <a:p>
+            <a:pPr marL="628650" lvl="1" indent="-171450">
+              <a:buFont typeface="Arial" panose="020B0604020202020204" pitchFamily="34" charset="0"/>
+              <a:buChar char="•"/>
+            </a:pPr>
+            <a:r>
+              <a:rPr lang="de-DE" dirty="0"/>
+              <a:t>zu einem bei der Überforderung</a:t>
+            </a:r>
+          </a:p>
+          <a:p>
+            <a:pPr marL="1085850" lvl="2" indent="-171450">
+              <a:buFont typeface="Arial" panose="020B0604020202020204" pitchFamily="34" charset="0"/>
+              <a:buChar char="•"/>
+            </a:pPr>
+            <a:r>
+              <a:rPr lang="de-DE" dirty="0"/>
+              <a:t>Großes Angebot auf die Breite Masse ausgelegt </a:t>
+            </a:r>
+            <a:r>
+              <a:rPr lang="de-DE" dirty="0">
+                <a:sym typeface="Wingdings" panose="05000000000000000000" pitchFamily="2" charset="2"/>
+              </a:rPr>
+              <a:t> Reizüberflutung</a:t>
+            </a:r>
+          </a:p>
+          <a:p>
+            <a:pPr marL="1085850" lvl="2" indent="-171450">
+              <a:buFont typeface="Arial" panose="020B0604020202020204" pitchFamily="34" charset="0"/>
+              <a:buChar char="•"/>
+            </a:pPr>
+            <a:r>
+              <a:rPr lang="de-DE" dirty="0">
+                <a:sym typeface="Wingdings" panose="05000000000000000000" pitchFamily="2" charset="2"/>
+              </a:rPr>
+              <a:t>Diese Menge kann teilweise schwer verarbeitet werden</a:t>
+            </a:r>
             <a:endParaRPr lang="de-DE" dirty="0"/>
+          </a:p>
+          <a:p>
+            <a:pPr marL="628650" lvl="1" indent="-171450">
+              <a:buFont typeface="Arial" panose="020B0604020202020204" pitchFamily="34" charset="0"/>
+              <a:buChar char="•"/>
+            </a:pPr>
+            <a:r>
+              <a:rPr lang="de-DE" dirty="0"/>
+              <a:t>Zum anderen an fehlenden Kulturtechniken </a:t>
+            </a:r>
+          </a:p>
+          <a:p>
+            <a:pPr marL="1085850" marR="0" lvl="2" indent="-171450" algn="l" defTabSz="457200" rtl="0" eaLnBrk="0" fontAlgn="base" latinLnBrk="0" hangingPunct="0">
+              <a:lnSpc>
+                <a:spcPct val="100000"/>
+              </a:lnSpc>
+              <a:spcBef>
+                <a:spcPct val="30000"/>
+              </a:spcBef>
+              <a:spcAft>
+                <a:spcPct val="0"/>
+              </a:spcAft>
+              <a:buClrTx/>
+              <a:buSzTx/>
+              <a:buFont typeface="Arial" panose="020B0604020202020204" pitchFamily="34" charset="0"/>
+              <a:buChar char="•"/>
+              <a:tabLst/>
+              <a:defRPr/>
+            </a:pPr>
+            <a:r>
+              <a:rPr lang="de-DE" dirty="0"/>
+              <a:t>Es fällt schwerer Lesen, Rechnen, schreiben zu erlernen oder das auf die schnelle Anzuwenden, auf Grund der Beeinträchtigung</a:t>
+            </a:r>
+          </a:p>
+          <a:p>
+            <a:pPr marL="628650" lvl="1" indent="-171450">
+              <a:buFont typeface="Arial" panose="020B0604020202020204" pitchFamily="34" charset="0"/>
+              <a:buChar char="•"/>
+            </a:pPr>
+            <a:r>
+              <a:rPr lang="de-DE" dirty="0"/>
+              <a:t>Des Weiteren fehlt teilweise Hilfestellungen</a:t>
+            </a:r>
+          </a:p>
+          <a:p>
+            <a:pPr marL="1085850" lvl="2" indent="-171450">
+              <a:buFont typeface="Arial" panose="020B0604020202020204" pitchFamily="34" charset="0"/>
+              <a:buChar char="•"/>
+            </a:pPr>
+            <a:r>
+              <a:rPr lang="de-DE" dirty="0"/>
+              <a:t>Zeitmangel der Betreuer und Personalmangel sorgen dafür, dass auf einzelne Personen einzugehen schwerfällt. </a:t>
+            </a:r>
+          </a:p>
+          <a:p>
+            <a:pPr marL="1543050" marR="0" lvl="3" indent="-171450" algn="l" defTabSz="457200" rtl="0" eaLnBrk="0" fontAlgn="base" latinLnBrk="0" hangingPunct="0">
+              <a:lnSpc>
+                <a:spcPct val="100000"/>
+              </a:lnSpc>
+              <a:spcBef>
+                <a:spcPct val="30000"/>
+              </a:spcBef>
+              <a:spcAft>
+                <a:spcPct val="0"/>
+              </a:spcAft>
+              <a:buClrTx/>
+              <a:buSzTx/>
+              <a:buFont typeface="Arial" panose="020B0604020202020204" pitchFamily="34" charset="0"/>
+              <a:buChar char="•"/>
+              <a:tabLst/>
+              <a:defRPr/>
+            </a:pPr>
+            <a:r>
+              <a:rPr lang="de-DE" dirty="0"/>
+              <a:t>(zu ein Betreuer hat zu viele Personen gleichzeitig </a:t>
+            </a:r>
+            <a:r>
+              <a:rPr lang="de-DE" dirty="0">
+                <a:sym typeface="Wingdings" panose="05000000000000000000" pitchFamily="2" charset="2"/>
+              </a:rPr>
+              <a:t> Planungen mit ihnen zusammen können so zulange dauern da noch mehr gemacht werden muss z.B. Pflege, etc.)</a:t>
+            </a:r>
+            <a:endParaRPr lang="de-DE" dirty="0"/>
+          </a:p>
+          <a:p>
+            <a:pPr marL="1085850" lvl="2" indent="-171450">
+              <a:buFont typeface="Arial" panose="020B0604020202020204" pitchFamily="34" charset="0"/>
+              <a:buChar char="•"/>
+            </a:pPr>
+            <a:r>
+              <a:rPr lang="de-DE" dirty="0"/>
+              <a:t>Hilfsmittel, welche den Alltag erleichtern, fehlen oder müssen mit mehr Zeitaufwand erstellt werden</a:t>
+            </a:r>
+          </a:p>
+          <a:p>
+            <a:pPr marL="1543050" lvl="3" indent="-171450">
+              <a:buFont typeface="Arial" panose="020B0604020202020204" pitchFamily="34" charset="0"/>
+              <a:buChar char="•"/>
+            </a:pPr>
+            <a:r>
+              <a:rPr lang="de-DE" dirty="0"/>
+              <a:t>Z.B. Ausdrucken von Bildern für den Einkauf</a:t>
+            </a:r>
+          </a:p>
+          <a:p>
+            <a:pPr marL="1543050" lvl="3" indent="-171450">
+              <a:buFont typeface="Arial" panose="020B0604020202020204" pitchFamily="34" charset="0"/>
+              <a:buChar char="•"/>
+            </a:pPr>
+            <a:endParaRPr lang="de-DE" dirty="0">
+              <a:sym typeface="Wingdings" panose="05000000000000000000" pitchFamily="2" charset="2"/>
+            </a:endParaRPr>
+          </a:p>
+          <a:p>
+            <a:pPr marL="1371600" lvl="3" indent="0">
+              <a:buFont typeface="Arial" panose="020B0604020202020204" pitchFamily="34" charset="0"/>
+              <a:buNone/>
+            </a:pPr>
+            <a:endParaRPr lang="de-DE" dirty="0"/>
+          </a:p>
+          <a:p>
+            <a:pPr marL="1085850" lvl="2" indent="-171450">
+              <a:buFont typeface="Arial" panose="020B0604020202020204" pitchFamily="34" charset="0"/>
+              <a:buChar char="•"/>
+            </a:pPr>
+            <a:endParaRPr lang="de-DE" dirty="0"/>
+          </a:p>
+          <a:p>
+            <a:pPr marL="914400" lvl="2" indent="0">
+              <a:buFont typeface="Arial" panose="020B0604020202020204" pitchFamily="34" charset="0"/>
+              <a:buNone/>
+            </a:pPr>
+            <a:endParaRPr lang="de-DE" dirty="0"/>
+          </a:p>
+          <a:p>
+            <a:pPr marL="628650" marR="0" lvl="1" indent="-171450" algn="l" defTabSz="457200" rtl="0" eaLnBrk="0" fontAlgn="base" latinLnBrk="0" hangingPunct="0">
+              <a:lnSpc>
+                <a:spcPct val="100000"/>
+              </a:lnSpc>
+              <a:spcBef>
+                <a:spcPct val="30000"/>
+              </a:spcBef>
+              <a:spcAft>
+                <a:spcPct val="0"/>
+              </a:spcAft>
+              <a:buClrTx/>
+              <a:buSzTx/>
+              <a:buFont typeface="Arial" panose="020B0604020202020204" pitchFamily="34" charset="0"/>
+              <a:buChar char="•"/>
+              <a:tabLst/>
+              <a:defRPr/>
+            </a:pPr>
+            <a:endParaRPr lang="de-DE" dirty="0">
+              <a:sym typeface="Wingdings" panose="05000000000000000000" pitchFamily="2" charset="2"/>
+            </a:endParaRPr>
+          </a:p>
+          <a:p>
+            <a:pPr marL="628650" lvl="1" indent="-171450">
+              <a:buFont typeface="Arial" panose="020B0604020202020204" pitchFamily="34" charset="0"/>
+              <a:buChar char="•"/>
+            </a:pPr>
+            <a:endParaRPr lang="de-DE" dirty="0">
+              <a:sym typeface="Wingdings" panose="05000000000000000000" pitchFamily="2" charset="2"/>
+            </a:endParaRPr>
           </a:p>
         </p:txBody>
       </p:sp>
@@ -2745,14 +3011,29 @@
           <a:bodyPr/>
           <a:lstStyle/>
           <a:p>
-            <a:endParaRPr lang="de-DE" dirty="0"/>
+            <a:r>
+              <a:rPr lang="de-DE" dirty="0"/>
+              <a:t>Die Stakeholder ergeben sich aus der Domänenanalyse, welche im Domänenmodell auf der nächsten Folie genauer erklärt wird. </a:t>
+            </a:r>
+          </a:p>
+          <a:p>
+            <a:r>
+              <a:rPr lang="de-DE" dirty="0"/>
+              <a:t>Die Personen mit mentaler Retardierung zählen zu unseren primären und das Betreuungspersonal zu unseren sekundären Stakeholdern. </a:t>
+            </a:r>
+          </a:p>
+          <a:p>
+            <a:r>
+              <a:rPr lang="de-DE" dirty="0"/>
+              <a:t>Der Prototyp, welcher angestrebt wird, soll vor allem auf die primären Stakeholder ausgelegt sein </a:t>
+            </a:r>
           </a:p>
         </p:txBody>
       </p:sp>
     </p:spTree>
     <p:extLst>
       <p:ext uri="{BB962C8B-B14F-4D97-AF65-F5344CB8AC3E}">
-        <p14:creationId xmlns:p14="http://schemas.microsoft.com/office/powerpoint/2010/main" val="4237884162"/>
+        <p14:creationId xmlns:p14="http://schemas.microsoft.com/office/powerpoint/2010/main" val="3517301184"/>
       </p:ext>
     </p:extLst>
   </p:cSld>
@@ -2806,14 +3087,77 @@
           <a:bodyPr/>
           <a:lstStyle/>
           <a:p>
-            <a:endParaRPr lang="de-DE" dirty="0"/>
+            <a:r>
+              <a:rPr lang="de-DE" dirty="0"/>
+              <a:t>In dem Domänenmodell wird gezeigt, wie die einzelnen Stakeholder mit einander in Verbindung stehen und interagieren. </a:t>
+            </a:r>
+          </a:p>
+          <a:p>
+            <a:pPr marL="171450" indent="-171450">
+              <a:buFont typeface="Arial" panose="020B0604020202020204" pitchFamily="34" charset="0"/>
+              <a:buChar char="•"/>
+            </a:pPr>
+            <a:r>
+              <a:rPr lang="de-DE" dirty="0"/>
+              <a:t>So erhält die Wohneinrichtung von verschiedensten Finanzierungsquellen das Geld, welches sie an Betreuungspersonal weitergeben</a:t>
+            </a:r>
+          </a:p>
+          <a:p>
+            <a:pPr marL="171450" indent="-171450">
+              <a:buFont typeface="Arial" panose="020B0604020202020204" pitchFamily="34" charset="0"/>
+              <a:buChar char="•"/>
+            </a:pPr>
+            <a:r>
+              <a:rPr lang="de-DE" dirty="0"/>
+              <a:t>Die Wohneinrichtung muss an die Finanzierungsquellen weitergeben, welch Produkte mit dem Geld gekauft wurden</a:t>
+            </a:r>
+          </a:p>
+          <a:p>
+            <a:pPr marL="171450" indent="-171450">
+              <a:buFont typeface="Arial" panose="020B0604020202020204" pitchFamily="34" charset="0"/>
+              <a:buChar char="•"/>
+            </a:pPr>
+            <a:r>
+              <a:rPr lang="de-DE" dirty="0"/>
+              <a:t>Hier für müssen die Betreuer wissen was die zu betreuenden Personen möchten und wie viel Geld die einzelne Personen zur Verfügung stehen. </a:t>
+            </a:r>
+          </a:p>
+          <a:p>
+            <a:pPr marL="171450" indent="-171450">
+              <a:buFont typeface="Arial" panose="020B0604020202020204" pitchFamily="34" charset="0"/>
+              <a:buChar char="•"/>
+            </a:pPr>
+            <a:r>
+              <a:rPr lang="de-DE" dirty="0"/>
+              <a:t>Betreuer welche das Geld verwalten und die Einkaufsplanung mit den mental Retardieren Personen betreiben, arbeiten sowohl in Betreuungsstätten als auch in Wohneinrichtungen</a:t>
+            </a:r>
+          </a:p>
+          <a:p>
+            <a:pPr marL="171450" indent="-171450">
+              <a:buFont typeface="Arial" panose="020B0604020202020204" pitchFamily="34" charset="0"/>
+              <a:buChar char="•"/>
+            </a:pPr>
+            <a:r>
+              <a:rPr lang="de-DE" dirty="0"/>
+              <a:t>Eben so sind die Betreuer verpflichten die Einkaufsplanung und den Einkaufselbst zu unterstützen und sich ggf. für die Finalen Produkte entscheiden (Preislich, Gesundheitstechnisch etc.)</a:t>
+            </a:r>
+          </a:p>
+          <a:p>
+            <a:pPr marL="171450" indent="-171450">
+              <a:buFont typeface="Arial" panose="020B0604020202020204" pitchFamily="34" charset="0"/>
+              <a:buChar char="•"/>
+            </a:pPr>
+            <a:r>
+              <a:rPr lang="de-DE" dirty="0"/>
+              <a:t>In den Einkaufszentren werden Produkte entweder von den beeinträchtigten Personen selbst, mit Unterstützung von dem Betreuer oder nur vom Betreuer gekauft. Dies hängt von der Einschätzung des Betreuers und dem Grad der Beeinträchtigung ab.  </a:t>
+            </a:r>
           </a:p>
         </p:txBody>
       </p:sp>
     </p:spTree>
     <p:extLst>
       <p:ext uri="{BB962C8B-B14F-4D97-AF65-F5344CB8AC3E}">
-        <p14:creationId xmlns:p14="http://schemas.microsoft.com/office/powerpoint/2010/main" val="3517301184"/>
+        <p14:creationId xmlns:p14="http://schemas.microsoft.com/office/powerpoint/2010/main" val="4237884162"/>
       </p:ext>
     </p:extLst>
   </p:cSld>
@@ -2867,7 +3211,90 @@
           <a:bodyPr/>
           <a:lstStyle/>
           <a:p>
-            <a:endParaRPr lang="de-DE" dirty="0"/>
+            <a:r>
+              <a:rPr lang="de-DE" dirty="0"/>
+              <a:t>Die Zielgruppe schränkt die primären Stakeholder (Personen mit mentaler Retardierung) genauer ein.</a:t>
+            </a:r>
+          </a:p>
+          <a:p>
+            <a:r>
+              <a:rPr lang="de-DE" dirty="0"/>
+              <a:t>Laut den unseren Quellen benötigen Personen mit </a:t>
+            </a:r>
+          </a:p>
+          <a:p>
+            <a:pPr marL="171450" indent="-171450">
+              <a:buFont typeface="Arial" panose="020B0604020202020204" pitchFamily="34" charset="0"/>
+              <a:buChar char="•"/>
+            </a:pPr>
+            <a:r>
+              <a:rPr lang="de-DE" dirty="0"/>
+              <a:t>Motorischen Störungen</a:t>
+            </a:r>
+          </a:p>
+          <a:p>
+            <a:pPr marL="171450" indent="-171450">
+              <a:buFont typeface="Arial" panose="020B0604020202020204" pitchFamily="34" charset="0"/>
+              <a:buChar char="•"/>
+            </a:pPr>
+            <a:r>
+              <a:rPr lang="de-DE" dirty="0"/>
+              <a:t>Geistigen Behinderungen</a:t>
+            </a:r>
+          </a:p>
+          <a:p>
+            <a:pPr marL="171450" indent="-171450">
+              <a:buFont typeface="Arial" panose="020B0604020202020204" pitchFamily="34" charset="0"/>
+              <a:buChar char="•"/>
+            </a:pPr>
+            <a:r>
+              <a:rPr lang="de-DE" dirty="0"/>
+              <a:t>Autismus</a:t>
+            </a:r>
+          </a:p>
+          <a:p>
+            <a:pPr marL="171450" indent="-171450">
+              <a:buFont typeface="Arial" panose="020B0604020202020204" pitchFamily="34" charset="0"/>
+              <a:buChar char="•"/>
+            </a:pPr>
+            <a:r>
+              <a:rPr lang="de-DE" dirty="0"/>
+              <a:t>Verzögerter Sprachentwicklung</a:t>
+            </a:r>
+          </a:p>
+          <a:p>
+            <a:pPr marL="171450" indent="-171450">
+              <a:buFont typeface="Arial" panose="020B0604020202020204" pitchFamily="34" charset="0"/>
+              <a:buChar char="•"/>
+            </a:pPr>
+            <a:r>
+              <a:rPr lang="de-DE" dirty="0"/>
+              <a:t>Anderen entwicklungsbedingten oder erworbenen Sprach- und Sprechstörungen</a:t>
+            </a:r>
+          </a:p>
+          <a:p>
+            <a:r>
+              <a:rPr lang="de-DE" dirty="0"/>
+              <a:t>Kommunikationshilfen.</a:t>
+            </a:r>
+          </a:p>
+          <a:p>
+            <a:r>
+              <a:rPr lang="de-DE" dirty="0"/>
+              <a:t>Da unser System ebenfalls eine Art der Kommunikationshilfe für die Einkaufsplanung sein soll, sind Personen mit obengenannten Beeinträchtigungen Teil unserer Zielgruppe</a:t>
+            </a:r>
+          </a:p>
+          <a:p>
+            <a:r>
+              <a:rPr lang="de-DE" dirty="0"/>
+              <a:t>Jedoch kann man Krankheitsbilder allgemein nicht nennen, da diese immer sehr individuell sind und so die Breuer selbst einschätzen müssen, inwieweit Personen mit Beeinträchtigungen damit umgehen können.</a:t>
+            </a:r>
+          </a:p>
+          <a:p>
+            <a:r>
+              <a:rPr lang="de-DE" dirty="0"/>
+              <a:t>Die Empfehlung der Altersgruppe ergibt sich aus der Erfahrung von befragten Betreuern. Vor allem jüngere Personen sind bereits geübt mit dem Umgang von Handys und ähnlichem. Die Wahrscheinlichkeit, unser System nutzen zu können, ist in dieser Altersgruppe höher, da sie bereits den Umgang mit dem geplanten Medium erlernt haben</a:t>
+            </a:r>
           </a:p>
         </p:txBody>
       </p:sp>
@@ -2928,7 +3355,22 @@
           <a:bodyPr/>
           <a:lstStyle/>
           <a:p>
-            <a:endParaRPr lang="de-DE" dirty="0"/>
+            <a:r>
+              <a:rPr lang="de-DE" dirty="0"/>
+              <a:t>Das menschzentrierte Vorgehensmodell eignet sich für das Projekt am besten, denn die Personen mit mentaler Retardierung stehen im Mittelpunkt. </a:t>
+            </a:r>
+          </a:p>
+          <a:p>
+            <a:r>
+              <a:rPr lang="de-DE" dirty="0"/>
+              <a:t>Diese Personen sind die Einzigen, mit welchen wir das System auf die gewünschten Ergebnisse testen und evaluieren können, da nicht alle Probleme im Vorhinein festgestellt können. </a:t>
+            </a:r>
+          </a:p>
+          <a:p>
+            <a:r>
+              <a:rPr lang="de-DE" dirty="0"/>
+              <a:t>Somit ist die Iteration einer großer Bestandteil des Projekts</a:t>
+            </a:r>
           </a:p>
         </p:txBody>
       </p:sp>
@@ -3152,7 +3594,7 @@
               <a:pPr>
                 <a:defRPr/>
               </a:pPr>
-              <a:t>05.11.2021</a:t>
+              <a:t>06.11.2021</a:t>
             </a:fld>
             <a:endParaRPr lang="de-DE" dirty="0"/>
           </a:p>
@@ -3489,7 +3931,7 @@
               <a:pPr>
                 <a:defRPr/>
               </a:pPr>
-              <a:t>05.11.2021</a:t>
+              <a:t>06.11.2021</a:t>
             </a:fld>
             <a:endParaRPr lang="de-DE" dirty="0"/>
           </a:p>
@@ -3889,7 +4331,7 @@
               <a:pPr>
                 <a:defRPr/>
               </a:pPr>
-              <a:t>05.11.2021</a:t>
+              <a:t>06.11.2021</a:t>
             </a:fld>
             <a:endParaRPr lang="de-DE" dirty="0"/>
           </a:p>
@@ -4443,7 +4885,7 @@
               <a:pPr>
                 <a:defRPr/>
               </a:pPr>
-              <a:t>05.11.2021</a:t>
+              <a:t>06.11.2021</a:t>
             </a:fld>
             <a:endParaRPr lang="de-DE" dirty="0"/>
           </a:p>
@@ -4875,7 +5317,7 @@
               <a:pPr>
                 <a:defRPr/>
               </a:pPr>
-              <a:t>05.11.2021</a:t>
+              <a:t>06.11.2021</a:t>
             </a:fld>
             <a:endParaRPr lang="de-DE" dirty="0"/>
           </a:p>
@@ -4970,7 +5412,7 @@
               <a:pPr>
                 <a:defRPr/>
               </a:pPr>
-              <a:t>05.11.2021</a:t>
+              <a:t>06.11.2021</a:t>
             </a:fld>
             <a:endParaRPr lang="de-DE" dirty="0"/>
           </a:p>
@@ -5938,7 +6380,7 @@
               <a:pPr>
                 <a:defRPr/>
               </a:pPr>
-              <a:t>05.11.2021</a:t>
+              <a:t>06.11.2021</a:t>
             </a:fld>
             <a:endParaRPr lang="de-DE" dirty="0"/>
           </a:p>
@@ -7399,7 +7841,7 @@
               <a:pPr>
                 <a:defRPr/>
               </a:pPr>
-              <a:t>05.11.2021</a:t>
+              <a:t>06.11.2021</a:t>
             </a:fld>
             <a:endParaRPr lang="de-DE" dirty="0"/>
           </a:p>
@@ -8708,9 +9150,12 @@
               <a:buChar char="•"/>
             </a:pPr>
             <a:r>
-              <a:rPr lang="de-DE" dirty="0"/>
+              <a:rPr lang="de-DE" dirty="0">
+                <a:hlinkClick r:id="rId3"/>
+              </a:rPr>
               <a:t>Problemraum</a:t>
             </a:r>
+            <a:endParaRPr lang="de-DE" dirty="0"/>
           </a:p>
           <a:p>
             <a:pPr lvl="4" indent="-342900">
@@ -8731,9 +9176,12 @@
               <a:buChar char="•"/>
             </a:pPr>
             <a:r>
-              <a:rPr lang="de-DE" dirty="0"/>
+              <a:rPr lang="de-DE" dirty="0">
+                <a:hlinkClick r:id="rId3"/>
+              </a:rPr>
               <a:t>Zielhierarchie</a:t>
             </a:r>
+            <a:endParaRPr lang="de-DE" dirty="0"/>
           </a:p>
           <a:p>
             <a:pPr lvl="4" indent="-342900">
@@ -8741,9 +9189,12 @@
               <a:buChar char="•"/>
             </a:pPr>
             <a:r>
-              <a:rPr lang="de-DE" dirty="0"/>
+              <a:rPr lang="de-DE" dirty="0">
+                <a:hlinkClick r:id="rId3"/>
+              </a:rPr>
               <a:t>Relevanz</a:t>
             </a:r>
+            <a:endParaRPr lang="de-DE" dirty="0"/>
           </a:p>
           <a:p>
             <a:pPr lvl="3" indent="-342900">
@@ -8761,10 +9212,16 @@
               <a:buChar char="•"/>
             </a:pPr>
             <a:r>
+              <a:rPr lang="de-DE" dirty="0" err="1">
+                <a:hlinkClick r:id="rId5"/>
+              </a:rPr>
+              <a:t>Fishbone</a:t>
+            </a:r>
+            <a:r>
               <a:rPr lang="de-DE" dirty="0">
                 <a:hlinkClick r:id="rId5"/>
               </a:rPr>
-              <a:t>Fishbone-Diagramm</a:t>
+              <a:t>-Diagramm</a:t>
             </a:r>
             <a:endParaRPr lang="de-DE" dirty="0"/>
           </a:p>
@@ -8777,7 +9234,7 @@
               <a:rPr lang="de-DE" dirty="0">
                 <a:hlinkClick r:id="rId6"/>
               </a:rPr>
-              <a:t>Domänenmodell</a:t>
+              <a:t>Stakeholder</a:t>
             </a:r>
             <a:endParaRPr lang="de-DE" dirty="0"/>
           </a:p>
@@ -8790,7 +9247,7 @@
               <a:rPr lang="de-DE" dirty="0">
                 <a:hlinkClick r:id="rId7"/>
               </a:rPr>
-              <a:t>Stakeholder</a:t>
+              <a:t>Domänenmodell</a:t>
             </a:r>
             <a:endParaRPr lang="de-DE" dirty="0"/>
           </a:p>
@@ -8890,7 +9347,7 @@
               <a:pPr>
                 <a:defRPr/>
               </a:pPr>
-              <a:t>05.11.2021</a:t>
+              <a:t>06.11.2021</a:t>
             </a:fld>
             <a:endParaRPr lang="de-DE" dirty="0"/>
           </a:p>
@@ -9081,7 +9538,7 @@
               <a:pPr>
                 <a:defRPr/>
               </a:pPr>
-              <a:t>05.11.2021</a:t>
+              <a:t>06.11.2021</a:t>
             </a:fld>
             <a:endParaRPr lang="de-DE" dirty="0"/>
           </a:p>
@@ -9285,7 +9742,17 @@
             </a:pPr>
             <a:r>
               <a:rPr lang="de-DE" dirty="0"/>
-              <a:t>Priorität der Erfordernisse &amp; Anforderungen liegt primär bei den zu betreuenden Personen und sekundär bei den Betreuern</a:t>
+              <a:t>Priorität der </a:t>
+            </a:r>
+            <a:r>
+              <a:rPr lang="de-DE" dirty="0">
+                <a:hlinkClick r:id="rId3"/>
+              </a:rPr>
+              <a:t>Erfordernisse &amp; Anforderungen </a:t>
+            </a:r>
+            <a:r>
+              <a:rPr lang="de-DE" dirty="0"/>
+              <a:t>liegt primär bei den zu betreuenden Personen und sekundär bei den Betreuern</a:t>
             </a:r>
           </a:p>
           <a:p>
@@ -9309,13 +9776,13 @@
             </a:r>
             <a:r>
               <a:rPr lang="de-DE" dirty="0">
-                <a:hlinkClick r:id="rId3"/>
+                <a:hlinkClick r:id="rId4"/>
               </a:rPr>
               <a:t>Use </a:t>
             </a:r>
             <a:r>
               <a:rPr lang="de-DE" dirty="0" err="1">
-                <a:hlinkClick r:id="rId3"/>
+                <a:hlinkClick r:id="rId4"/>
               </a:rPr>
               <a:t>cases</a:t>
             </a:r>
@@ -9384,7 +9851,7 @@
               <a:pPr>
                 <a:defRPr/>
               </a:pPr>
-              <a:t>05.11.2021</a:t>
+              <a:t>06.11.2021</a:t>
             </a:fld>
             <a:endParaRPr lang="de-DE" dirty="0"/>
           </a:p>
@@ -9456,7 +9923,7 @@
               <a:rPr lang="de-DE" sz="800" dirty="0">
                 <a:latin typeface="Arial" panose="020B0604020202020204" pitchFamily="34" charset="0"/>
                 <a:cs typeface="Arial" panose="020B0604020202020204" pitchFamily="34" charset="0"/>
-                <a:hlinkClick r:id="rId4"/>
+                <a:hlinkClick r:id="rId3"/>
               </a:rPr>
               <a:t>https://github.com/SJetz/EPWS2122JetzPettinger/wiki/Erfordernisse-und-Anforderungen</a:t>
             </a:r>
@@ -9695,7 +10162,7 @@
               <a:pPr>
                 <a:defRPr/>
               </a:pPr>
-              <a:t>05.11.2021</a:t>
+              <a:t>06.11.2021</a:t>
             </a:fld>
             <a:endParaRPr lang="de-DE" dirty="0"/>
           </a:p>
@@ -9935,7 +10402,7 @@
               <a:pPr>
                 <a:defRPr/>
               </a:pPr>
-              <a:t>05.11.2021</a:t>
+              <a:t>06.11.2021</a:t>
             </a:fld>
             <a:endParaRPr lang="de-DE" dirty="0"/>
           </a:p>
@@ -10021,6 +10488,269 @@
               <a:latin typeface="Arial" panose="020B0604020202020204" pitchFamily="34" charset="0"/>
               <a:cs typeface="Arial" panose="020B0604020202020204" pitchFamily="34" charset="0"/>
             </a:endParaRPr>
+          </a:p>
+        </p:txBody>
+      </p:sp>
+      <p:sp>
+        <p:nvSpPr>
+          <p:cNvPr id="8" name="Inhaltsplatzhalter 2">
+            <a:extLst>
+              <a:ext uri="{FF2B5EF4-FFF2-40B4-BE49-F238E27FC236}">
+                <a16:creationId xmlns:a16="http://schemas.microsoft.com/office/drawing/2014/main" id="{DF9F53B8-B43C-4002-A942-B612FB68AF42}"/>
+              </a:ext>
+            </a:extLst>
+          </p:cNvPr>
+          <p:cNvSpPr txBox="1">
+            <a:spLocks/>
+          </p:cNvSpPr>
+          <p:nvPr/>
+        </p:nvSpPr>
+        <p:spPr bwMode="auto">
+          <a:xfrm>
+            <a:off x="906664" y="1351979"/>
+            <a:ext cx="8099823" cy="4320000"/>
+          </a:xfrm>
+          <a:prstGeom prst="rect">
+            <a:avLst/>
+          </a:prstGeom>
+          <a:noFill/>
+          <a:ln>
+            <a:noFill/>
+          </a:ln>
+          <a:extLst>
+            <a:ext uri="{909E8E84-426E-40DD-AFC4-6F175D3DCCD1}">
+              <a14:hiddenFill xmlns:a14="http://schemas.microsoft.com/office/drawing/2010/main">
+                <a:solidFill>
+                  <a:srgbClr val="FFFFFF"/>
+                </a:solidFill>
+              </a14:hiddenFill>
+            </a:ext>
+            <a:ext uri="{91240B29-F687-4F45-9708-019B960494DF}">
+              <a14:hiddenLine xmlns:a14="http://schemas.microsoft.com/office/drawing/2010/main" w="9525">
+                <a:solidFill>
+                  <a:srgbClr val="000000"/>
+                </a:solidFill>
+                <a:miter lim="800000"/>
+                <a:headEnd/>
+                <a:tailEnd/>
+              </a14:hiddenLine>
+            </a:ext>
+          </a:extLst>
+        </p:spPr>
+        <p:txBody>
+          <a:bodyPr vert="horz" wrap="square" lIns="0" tIns="0" rIns="0" bIns="0" numCol="1" anchor="t" anchorCtr="0" compatLnSpc="1">
+            <a:prstTxWarp prst="textNoShape">
+              <a:avLst/>
+            </a:prstTxWarp>
+          </a:bodyPr>
+          <a:lstStyle>
+            <a:lvl1pPr marL="342900" indent="-342900" algn="l" defTabSz="455613" rtl="0" eaLnBrk="1" fontAlgn="base" hangingPunct="1">
+              <a:lnSpc>
+                <a:spcPts val="2200"/>
+              </a:lnSpc>
+              <a:spcBef>
+                <a:spcPct val="0"/>
+              </a:spcBef>
+              <a:spcAft>
+                <a:spcPts val="0"/>
+              </a:spcAft>
+              <a:defRPr sz="2000" kern="1200">
+                <a:solidFill>
+                  <a:schemeClr val="tx1"/>
+                </a:solidFill>
+                <a:latin typeface="Arial"/>
+                <a:ea typeface="+mn-ea"/>
+                <a:cs typeface="+mn-cs"/>
+              </a:defRPr>
+            </a:lvl1pPr>
+            <a:lvl2pPr marL="355600" indent="-169863" algn="l" defTabSz="455613" rtl="0" eaLnBrk="1" fontAlgn="base" hangingPunct="1">
+              <a:lnSpc>
+                <a:spcPts val="2200"/>
+              </a:lnSpc>
+              <a:spcBef>
+                <a:spcPts val="0"/>
+              </a:spcBef>
+              <a:spcAft>
+                <a:spcPct val="0"/>
+              </a:spcAft>
+              <a:buClr>
+                <a:schemeClr val="accent1"/>
+              </a:buClr>
+              <a:buFont typeface="Wingdings" panose="05000000000000000000" pitchFamily="2" charset="2"/>
+              <a:buChar char="§"/>
+              <a:defRPr sz="2000" kern="1200">
+                <a:solidFill>
+                  <a:schemeClr val="tx1"/>
+                </a:solidFill>
+                <a:latin typeface="+mn-lt"/>
+                <a:ea typeface="+mn-ea"/>
+                <a:cs typeface="+mn-cs"/>
+              </a:defRPr>
+            </a:lvl2pPr>
+            <a:lvl3pPr marL="539750" indent="-184150" algn="l" defTabSz="455613" rtl="0" eaLnBrk="1" fontAlgn="base" hangingPunct="1">
+              <a:lnSpc>
+                <a:spcPts val="2200"/>
+              </a:lnSpc>
+              <a:spcBef>
+                <a:spcPts val="0"/>
+              </a:spcBef>
+              <a:spcAft>
+                <a:spcPct val="0"/>
+              </a:spcAft>
+              <a:buClr>
+                <a:schemeClr val="accent2"/>
+              </a:buClr>
+              <a:buFont typeface="Wingdings" panose="05000000000000000000" pitchFamily="2" charset="2"/>
+              <a:buChar char="§"/>
+              <a:defRPr sz="2000" kern="1200">
+                <a:solidFill>
+                  <a:schemeClr val="tx1"/>
+                </a:solidFill>
+                <a:latin typeface="Arial"/>
+                <a:ea typeface="+mn-ea"/>
+                <a:cs typeface="+mn-cs"/>
+              </a:defRPr>
+            </a:lvl3pPr>
+            <a:lvl4pPr marL="712788" indent="-169863" algn="l" defTabSz="455613" rtl="0" eaLnBrk="1" fontAlgn="base" hangingPunct="1">
+              <a:lnSpc>
+                <a:spcPts val="2200"/>
+              </a:lnSpc>
+              <a:spcBef>
+                <a:spcPts val="0"/>
+              </a:spcBef>
+              <a:spcAft>
+                <a:spcPct val="0"/>
+              </a:spcAft>
+              <a:buClr>
+                <a:srgbClr val="9D167A"/>
+              </a:buClr>
+              <a:buFont typeface="Wingdings" panose="05000000000000000000" pitchFamily="2" charset="2"/>
+              <a:buChar char="§"/>
+              <a:defRPr sz="2000" kern="1200">
+                <a:solidFill>
+                  <a:schemeClr val="tx1"/>
+                </a:solidFill>
+                <a:latin typeface="Arial"/>
+                <a:ea typeface="+mn-ea"/>
+                <a:cs typeface="+mn-cs"/>
+              </a:defRPr>
+            </a:lvl4pPr>
+            <a:lvl5pPr marL="1073150" indent="-176213" algn="l" defTabSz="455613" rtl="0" eaLnBrk="1" fontAlgn="base" hangingPunct="1">
+              <a:lnSpc>
+                <a:spcPts val="1600"/>
+              </a:lnSpc>
+              <a:spcBef>
+                <a:spcPts val="500"/>
+              </a:spcBef>
+              <a:spcAft>
+                <a:spcPct val="0"/>
+              </a:spcAft>
+              <a:buFont typeface="Symbol" panose="05050102010706020507" pitchFamily="18" charset="2"/>
+              <a:buChar char="-"/>
+              <a:defRPr sz="2000" kern="1200">
+                <a:solidFill>
+                  <a:schemeClr val="tx1"/>
+                </a:solidFill>
+                <a:latin typeface="Arial"/>
+                <a:ea typeface="+mn-ea"/>
+                <a:cs typeface="+mn-cs"/>
+              </a:defRPr>
+            </a:lvl5pPr>
+            <a:lvl6pPr marL="2514537" indent="-228594" algn="l" defTabSz="457189" rtl="0" eaLnBrk="1" latinLnBrk="0" hangingPunct="1">
+              <a:spcBef>
+                <a:spcPct val="20000"/>
+              </a:spcBef>
+              <a:buFont typeface="Arial"/>
+              <a:buChar char="•"/>
+              <a:defRPr sz="2000" kern="1200">
+                <a:solidFill>
+                  <a:schemeClr val="tx1"/>
+                </a:solidFill>
+                <a:latin typeface="+mn-lt"/>
+                <a:ea typeface="+mn-ea"/>
+                <a:cs typeface="+mn-cs"/>
+              </a:defRPr>
+            </a:lvl6pPr>
+            <a:lvl7pPr marL="2971726" indent="-228594" algn="l" defTabSz="457189" rtl="0" eaLnBrk="1" latinLnBrk="0" hangingPunct="1">
+              <a:spcBef>
+                <a:spcPct val="20000"/>
+              </a:spcBef>
+              <a:buFont typeface="Arial"/>
+              <a:buChar char="•"/>
+              <a:defRPr sz="2000" kern="1200">
+                <a:solidFill>
+                  <a:schemeClr val="tx1"/>
+                </a:solidFill>
+                <a:latin typeface="+mn-lt"/>
+                <a:ea typeface="+mn-ea"/>
+                <a:cs typeface="+mn-cs"/>
+              </a:defRPr>
+            </a:lvl7pPr>
+            <a:lvl8pPr marL="3428914" indent="-228594" algn="l" defTabSz="457189" rtl="0" eaLnBrk="1" latinLnBrk="0" hangingPunct="1">
+              <a:spcBef>
+                <a:spcPct val="20000"/>
+              </a:spcBef>
+              <a:buFont typeface="Arial"/>
+              <a:buChar char="•"/>
+              <a:defRPr sz="2000" kern="1200">
+                <a:solidFill>
+                  <a:schemeClr val="tx1"/>
+                </a:solidFill>
+                <a:latin typeface="+mn-lt"/>
+                <a:ea typeface="+mn-ea"/>
+                <a:cs typeface="+mn-cs"/>
+              </a:defRPr>
+            </a:lvl8pPr>
+            <a:lvl9pPr marL="3886103" indent="-228594" algn="l" defTabSz="457189" rtl="0" eaLnBrk="1" latinLnBrk="0" hangingPunct="1">
+              <a:spcBef>
+                <a:spcPct val="20000"/>
+              </a:spcBef>
+              <a:buFont typeface="Arial"/>
+              <a:buChar char="•"/>
+              <a:defRPr sz="2000" kern="1200">
+                <a:solidFill>
+                  <a:schemeClr val="tx1"/>
+                </a:solidFill>
+                <a:latin typeface="+mn-lt"/>
+                <a:ea typeface="+mn-ea"/>
+                <a:cs typeface="+mn-cs"/>
+              </a:defRPr>
+            </a:lvl9pPr>
+          </a:lstStyle>
+          <a:p>
+            <a:pPr>
+              <a:buFont typeface="Arial" panose="020B0604020202020204" pitchFamily="34" charset="0"/>
+              <a:buChar char="•"/>
+            </a:pPr>
+            <a:r>
+              <a:rPr lang="de-DE" dirty="0"/>
+              <a:t>Betrachtung des Konzepts „Betreutes Wohnen“, „Wohnstätten“ und „Wohngemeinschaften“ für Personen mit Beeinträchtigung</a:t>
+            </a:r>
+          </a:p>
+          <a:p>
+            <a:pPr>
+              <a:buFont typeface="Arial" panose="020B0604020202020204" pitchFamily="34" charset="0"/>
+              <a:buChar char="•"/>
+            </a:pPr>
+            <a:r>
+              <a:rPr lang="de-DE" dirty="0"/>
+              <a:t>Einarbeitung in das Thema aktuelle „Kommunikationshilfen“</a:t>
+            </a:r>
+          </a:p>
+          <a:p>
+            <a:pPr>
+              <a:buFont typeface="Arial" panose="020B0604020202020204" pitchFamily="34" charset="0"/>
+              <a:buChar char="•"/>
+            </a:pPr>
+            <a:r>
+              <a:rPr lang="de-DE" dirty="0"/>
+              <a:t>Einholen von Erfahrungsberichten von verschiedenen Betreuungspersonen aus unterschiedlichen Betreuungs- und </a:t>
+            </a:r>
+            <a:r>
+              <a:rPr lang="de-DE" dirty="0" err="1"/>
+              <a:t>Wohnsstätten</a:t>
+            </a:r>
+            <a:endParaRPr lang="de-DE" dirty="0"/>
           </a:p>
         </p:txBody>
       </p:sp>
@@ -10248,7 +10978,7 @@
               <a:pPr>
                 <a:defRPr/>
               </a:pPr>
-              <a:t>05.11.2021</a:t>
+              <a:t>06.11.2021</a:t>
             </a:fld>
             <a:endParaRPr lang="de-DE" dirty="0"/>
           </a:p>
@@ -10503,7 +11233,7 @@
               <a:pPr>
                 <a:defRPr/>
               </a:pPr>
-              <a:t>05.11.2021</a:t>
+              <a:t>06.11.2021</a:t>
             </a:fld>
             <a:endParaRPr lang="de-DE" dirty="0"/>
           </a:p>
@@ -10849,7 +11579,7 @@
               <a:pPr>
                 <a:defRPr/>
               </a:pPr>
-              <a:t>05.11.2021</a:t>
+              <a:t>06.11.2021</a:t>
             </a:fld>
             <a:endParaRPr lang="de-DE" dirty="0"/>
           </a:p>
@@ -11095,7 +11825,7 @@
               <a:pPr>
                 <a:defRPr/>
               </a:pPr>
-              <a:t>05.11.2021</a:t>
+              <a:t>06.11.2021</a:t>
             </a:fld>
             <a:endParaRPr lang="de-DE" dirty="0"/>
           </a:p>
@@ -11303,7 +12033,7 @@
               <a:pPr>
                 <a:defRPr/>
               </a:pPr>
-              <a:t>05.11.2021</a:t>
+              <a:t>06.11.2021</a:t>
             </a:fld>
             <a:endParaRPr lang="de-DE" dirty="0"/>
           </a:p>
@@ -11494,8 +12224,94 @@
           <a:p>
             <a:r>
               <a:rPr lang="de-DE" dirty="0"/>
-              <a:t>Domänenmodell</a:t>
-            </a:r>
+              <a:t>Stakeholder</a:t>
+            </a:r>
+          </a:p>
+        </p:txBody>
+      </p:sp>
+      <p:sp>
+        <p:nvSpPr>
+          <p:cNvPr id="3" name="Inhaltsplatzhalter 2">
+            <a:extLst>
+              <a:ext uri="{FF2B5EF4-FFF2-40B4-BE49-F238E27FC236}">
+                <a16:creationId xmlns:a16="http://schemas.microsoft.com/office/drawing/2014/main" id="{90CF0E86-1E1A-4AAB-A2BC-C13DCE791112}"/>
+              </a:ext>
+            </a:extLst>
+          </p:cNvPr>
+          <p:cNvSpPr>
+            <a:spLocks noGrp="1"/>
+          </p:cNvSpPr>
+          <p:nvPr>
+            <p:ph sz="quarter" idx="12"/>
+          </p:nvPr>
+        </p:nvSpPr>
+        <p:spPr/>
+        <p:txBody>
+          <a:bodyPr/>
+          <a:lstStyle/>
+          <a:p>
+            <a:pPr>
+              <a:buFont typeface="Arial" panose="020B0604020202020204" pitchFamily="34" charset="0"/>
+              <a:buChar char="•"/>
+            </a:pPr>
+            <a:r>
+              <a:rPr lang="de-DE" dirty="0"/>
+              <a:t>Personen mit mentaler Retardierung</a:t>
+            </a:r>
+          </a:p>
+          <a:p>
+            <a:pPr>
+              <a:buFont typeface="Arial" panose="020B0604020202020204" pitchFamily="34" charset="0"/>
+              <a:buChar char="•"/>
+            </a:pPr>
+            <a:r>
+              <a:rPr lang="de-DE" dirty="0"/>
+              <a:t>Betreuende Personen</a:t>
+            </a:r>
+          </a:p>
+          <a:p>
+            <a:pPr>
+              <a:buFont typeface="Arial" panose="020B0604020202020204" pitchFamily="34" charset="0"/>
+              <a:buChar char="•"/>
+            </a:pPr>
+            <a:r>
+              <a:rPr lang="de-DE" dirty="0"/>
+              <a:t>Wohneinrichtungen</a:t>
+            </a:r>
+          </a:p>
+          <a:p>
+            <a:pPr>
+              <a:buFont typeface="Arial" panose="020B0604020202020204" pitchFamily="34" charset="0"/>
+              <a:buChar char="•"/>
+            </a:pPr>
+            <a:r>
+              <a:rPr lang="de-DE" dirty="0"/>
+              <a:t>Betreuungsstätten</a:t>
+            </a:r>
+          </a:p>
+          <a:p>
+            <a:pPr>
+              <a:buFont typeface="Arial" panose="020B0604020202020204" pitchFamily="34" charset="0"/>
+              <a:buChar char="•"/>
+            </a:pPr>
+            <a:r>
+              <a:rPr lang="de-DE" dirty="0"/>
+              <a:t>Supermarkt</a:t>
+            </a:r>
+          </a:p>
+          <a:p>
+            <a:pPr>
+              <a:buFont typeface="Arial" panose="020B0604020202020204" pitchFamily="34" charset="0"/>
+              <a:buChar char="•"/>
+            </a:pPr>
+            <a:endParaRPr lang="de-DE" dirty="0"/>
+          </a:p>
+          <a:p>
+            <a:pPr lvl="5">
+              <a:buFontTx/>
+              <a:buChar char="-"/>
+            </a:pPr>
+            <a:endParaRPr lang="de-DE" dirty="0"/>
           </a:p>
         </p:txBody>
       </p:sp>
@@ -11522,7 +12338,7 @@
           <a:p>
             <a:r>
               <a:rPr lang="de-DE" dirty="0"/>
-              <a:t>Domäne</a:t>
+              <a:t>Vorgehensmodell</a:t>
             </a:r>
           </a:p>
         </p:txBody>
@@ -11556,7 +12372,7 @@
               <a:pPr>
                 <a:defRPr/>
               </a:pPr>
-              <a:t>05.11.2021</a:t>
+              <a:t>06.11.2021</a:t>
             </a:fld>
             <a:endParaRPr lang="de-DE" dirty="0"/>
           </a:p>
@@ -11630,7 +12446,7 @@
                 <a:cs typeface="Arial" panose="020B0604020202020204" pitchFamily="34" charset="0"/>
                 <a:hlinkClick r:id="rId3"/>
               </a:rPr>
-              <a:t>https://github.com/SJetz/EPWS2122JetzPettinger/wiki/Dom%C3%A4nenmodell</a:t>
+              <a:t>https://github.com/SJetz/EPWS2122JetzPettinger/wiki/Stakeholder</a:t>
             </a:r>
             <a:endParaRPr lang="de-DE" sz="800" dirty="0">
               <a:latin typeface="Arial" panose="020B0604020202020204" pitchFamily="34" charset="0"/>
@@ -11645,57 +12461,10 @@
           </a:p>
         </p:txBody>
       </p:sp>
-      <p:pic>
-        <p:nvPicPr>
-          <p:cNvPr id="2050" name="Picture 2">
-            <a:extLst>
-              <a:ext uri="{FF2B5EF4-FFF2-40B4-BE49-F238E27FC236}">
-                <a16:creationId xmlns:a16="http://schemas.microsoft.com/office/drawing/2014/main" id="{83AA43FA-97AB-4790-B330-3F2B74C69AAA}"/>
-              </a:ext>
-            </a:extLst>
-          </p:cNvPr>
-          <p:cNvPicPr>
-            <a:picLocks noGrp="1" noChangeAspect="1" noChangeArrowheads="1"/>
-          </p:cNvPicPr>
-          <p:nvPr>
-            <p:ph sz="quarter" idx="12"/>
-          </p:nvPr>
-        </p:nvPicPr>
-        <p:blipFill rotWithShape="1">
-          <a:blip r:embed="rId4">
-            <a:extLst>
-              <a:ext uri="{28A0092B-C50C-407E-A947-70E740481C1C}">
-                <a14:useLocalDpi xmlns:a14="http://schemas.microsoft.com/office/drawing/2010/main" val="0"/>
-              </a:ext>
-            </a:extLst>
-          </a:blip>
-          <a:srcRect t="2508" b="1533"/>
-          <a:stretch/>
-        </p:blipFill>
-        <p:spPr bwMode="auto">
-          <a:xfrm>
-            <a:off x="1183086" y="1004552"/>
-            <a:ext cx="7057623" cy="4883069"/>
-          </a:xfrm>
-          <a:prstGeom prst="rect">
-            <a:avLst/>
-          </a:prstGeom>
-          <a:noFill/>
-          <a:extLst>
-            <a:ext uri="{909E8E84-426E-40DD-AFC4-6F175D3DCCD1}">
-              <a14:hiddenFill xmlns:a14="http://schemas.microsoft.com/office/drawing/2010/main">
-                <a:solidFill>
-                  <a:srgbClr val="FFFFFF"/>
-                </a:solidFill>
-              </a14:hiddenFill>
-            </a:ext>
-          </a:extLst>
-        </p:spPr>
-      </p:pic>
     </p:spTree>
     <p:extLst>
       <p:ext uri="{BB962C8B-B14F-4D97-AF65-F5344CB8AC3E}">
-        <p14:creationId xmlns:p14="http://schemas.microsoft.com/office/powerpoint/2010/main" val="3791070852"/>
+        <p14:creationId xmlns:p14="http://schemas.microsoft.com/office/powerpoint/2010/main" val="3385202564"/>
       </p:ext>
     </p:extLst>
   </p:cSld>
@@ -11745,94 +12514,8 @@
           <a:p>
             <a:r>
               <a:rPr lang="de-DE" dirty="0"/>
-              <a:t>Stakeholder</a:t>
-            </a:r>
-          </a:p>
-        </p:txBody>
-      </p:sp>
-      <p:sp>
-        <p:nvSpPr>
-          <p:cNvPr id="3" name="Inhaltsplatzhalter 2">
-            <a:extLst>
-              <a:ext uri="{FF2B5EF4-FFF2-40B4-BE49-F238E27FC236}">
-                <a16:creationId xmlns:a16="http://schemas.microsoft.com/office/drawing/2014/main" id="{90CF0E86-1E1A-4AAB-A2BC-C13DCE791112}"/>
-              </a:ext>
-            </a:extLst>
-          </p:cNvPr>
-          <p:cNvSpPr>
-            <a:spLocks noGrp="1"/>
-          </p:cNvSpPr>
-          <p:nvPr>
-            <p:ph sz="quarter" idx="12"/>
-          </p:nvPr>
-        </p:nvSpPr>
-        <p:spPr/>
-        <p:txBody>
-          <a:bodyPr/>
-          <a:lstStyle/>
-          <a:p>
-            <a:pPr>
-              <a:buFont typeface="Arial" panose="020B0604020202020204" pitchFamily="34" charset="0"/>
-              <a:buChar char="•"/>
-            </a:pPr>
-            <a:r>
-              <a:rPr lang="de-DE" dirty="0"/>
-              <a:t>Personen mit mentaler Retardierung</a:t>
-            </a:r>
-          </a:p>
-          <a:p>
-            <a:pPr>
-              <a:buFont typeface="Arial" panose="020B0604020202020204" pitchFamily="34" charset="0"/>
-              <a:buChar char="•"/>
-            </a:pPr>
-            <a:r>
-              <a:rPr lang="de-DE" dirty="0"/>
-              <a:t>Betreuende Personen</a:t>
-            </a:r>
-          </a:p>
-          <a:p>
-            <a:pPr>
-              <a:buFont typeface="Arial" panose="020B0604020202020204" pitchFamily="34" charset="0"/>
-              <a:buChar char="•"/>
-            </a:pPr>
-            <a:r>
-              <a:rPr lang="de-DE" dirty="0"/>
-              <a:t>Wohneinrichtungen</a:t>
-            </a:r>
-          </a:p>
-          <a:p>
-            <a:pPr>
-              <a:buFont typeface="Arial" panose="020B0604020202020204" pitchFamily="34" charset="0"/>
-              <a:buChar char="•"/>
-            </a:pPr>
-            <a:r>
-              <a:rPr lang="de-DE" dirty="0"/>
-              <a:t>Betreuungsstätten</a:t>
-            </a:r>
-          </a:p>
-          <a:p>
-            <a:pPr>
-              <a:buFont typeface="Arial" panose="020B0604020202020204" pitchFamily="34" charset="0"/>
-              <a:buChar char="•"/>
-            </a:pPr>
-            <a:r>
-              <a:rPr lang="de-DE" dirty="0"/>
-              <a:t>Supermarkt</a:t>
-            </a:r>
-          </a:p>
-          <a:p>
-            <a:pPr>
-              <a:buFont typeface="Arial" panose="020B0604020202020204" pitchFamily="34" charset="0"/>
-              <a:buChar char="•"/>
-            </a:pPr>
-            <a:endParaRPr lang="de-DE" dirty="0"/>
-          </a:p>
-          <a:p>
-            <a:pPr lvl="5">
-              <a:buFontTx/>
-              <a:buChar char="-"/>
-            </a:pPr>
-            <a:endParaRPr lang="de-DE" dirty="0"/>
+              <a:t>Domänenmodell</a:t>
+            </a:r>
           </a:p>
         </p:txBody>
       </p:sp>
@@ -11859,7 +12542,7 @@
           <a:p>
             <a:r>
               <a:rPr lang="de-DE" dirty="0"/>
-              <a:t>Vorgehensmodell</a:t>
+              <a:t>Domäne</a:t>
             </a:r>
           </a:p>
         </p:txBody>
@@ -11893,7 +12576,7 @@
               <a:pPr>
                 <a:defRPr/>
               </a:pPr>
-              <a:t>05.11.2021</a:t>
+              <a:t>06.11.2021</a:t>
             </a:fld>
             <a:endParaRPr lang="de-DE" dirty="0"/>
           </a:p>
@@ -11967,7 +12650,7 @@
                 <a:cs typeface="Arial" panose="020B0604020202020204" pitchFamily="34" charset="0"/>
                 <a:hlinkClick r:id="rId3"/>
               </a:rPr>
-              <a:t>https://github.com/SJetz/EPWS2122JetzPettinger/wiki/Stakeholder</a:t>
+              <a:t>https://github.com/SJetz/EPWS2122JetzPettinger/wiki/Dom%C3%A4nenmodell</a:t>
             </a:r>
             <a:endParaRPr lang="de-DE" sz="800" dirty="0">
               <a:latin typeface="Arial" panose="020B0604020202020204" pitchFamily="34" charset="0"/>
@@ -11982,10 +12665,57 @@
           </a:p>
         </p:txBody>
       </p:sp>
+      <p:pic>
+        <p:nvPicPr>
+          <p:cNvPr id="2050" name="Picture 2">
+            <a:extLst>
+              <a:ext uri="{FF2B5EF4-FFF2-40B4-BE49-F238E27FC236}">
+                <a16:creationId xmlns:a16="http://schemas.microsoft.com/office/drawing/2014/main" id="{83AA43FA-97AB-4790-B330-3F2B74C69AAA}"/>
+              </a:ext>
+            </a:extLst>
+          </p:cNvPr>
+          <p:cNvPicPr>
+            <a:picLocks noGrp="1" noChangeAspect="1" noChangeArrowheads="1"/>
+          </p:cNvPicPr>
+          <p:nvPr>
+            <p:ph sz="quarter" idx="12"/>
+          </p:nvPr>
+        </p:nvPicPr>
+        <p:blipFill rotWithShape="1">
+          <a:blip r:embed="rId4">
+            <a:extLst>
+              <a:ext uri="{28A0092B-C50C-407E-A947-70E740481C1C}">
+                <a14:useLocalDpi xmlns:a14="http://schemas.microsoft.com/office/drawing/2010/main" val="0"/>
+              </a:ext>
+            </a:extLst>
+          </a:blip>
+          <a:srcRect t="2508" b="1533"/>
+          <a:stretch/>
+        </p:blipFill>
+        <p:spPr bwMode="auto">
+          <a:xfrm>
+            <a:off x="1183086" y="1004552"/>
+            <a:ext cx="7057623" cy="4883069"/>
+          </a:xfrm>
+          <a:prstGeom prst="rect">
+            <a:avLst/>
+          </a:prstGeom>
+          <a:noFill/>
+          <a:extLst>
+            <a:ext uri="{909E8E84-426E-40DD-AFC4-6F175D3DCCD1}">
+              <a14:hiddenFill xmlns:a14="http://schemas.microsoft.com/office/drawing/2010/main">
+                <a:solidFill>
+                  <a:srgbClr val="FFFFFF"/>
+                </a:solidFill>
+              </a14:hiddenFill>
+            </a:ext>
+          </a:extLst>
+        </p:spPr>
+      </p:pic>
     </p:spTree>
     <p:extLst>
       <p:ext uri="{BB962C8B-B14F-4D97-AF65-F5344CB8AC3E}">
-        <p14:creationId xmlns:p14="http://schemas.microsoft.com/office/powerpoint/2010/main" val="3385202564"/>
+        <p14:creationId xmlns:p14="http://schemas.microsoft.com/office/powerpoint/2010/main" val="3791070852"/>
       </p:ext>
     </p:extLst>
   </p:cSld>
@@ -12186,7 +12916,7 @@
               <a:pPr>
                 <a:defRPr/>
               </a:pPr>
-              <a:t>05.11.2021</a:t>
+              <a:t>06.11.2021</a:t>
             </a:fld>
             <a:endParaRPr lang="de-DE" dirty="0"/>
           </a:p>
